--- a/FinalProjectPoster.pptx
+++ b/FinalProjectPoster.pptx
@@ -715,7 +715,7 @@
       </p:grpSpPr>
       <p:sp>
         <p:nvSpPr>
-          <p:cNvPr id="56" name="Google Shape;56;g1804e47d889_2_5:notes"/>
+          <p:cNvPr id="56" name="Google Shape;56;g31c8bd459ba_0_108:notes"/>
           <p:cNvSpPr txBox="1"/>
           <p:nvPr>
             <p:ph idx="12" type="sldNum"/>
@@ -724,7 +724,7 @@
         <p:spPr>
           <a:xfrm>
             <a:off x="3884579" y="8685229"/>
-            <a:ext cx="2971800" cy="457201"/>
+            <a:ext cx="2971800" cy="457200"/>
           </a:xfrm>
           <a:prstGeom prst="rect">
             <a:avLst/>
@@ -759,7 +759,7 @@
       </p:sp>
       <p:sp>
         <p:nvSpPr>
-          <p:cNvPr id="57" name="Google Shape;57;g1804e47d889_2_5:notes"/>
+          <p:cNvPr id="57" name="Google Shape;57;g31c8bd459ba_0_108:notes"/>
           <p:cNvSpPr/>
           <p:nvPr>
             <p:ph idx="2" type="sldImg"/>
@@ -798,7 +798,7 @@
       </p:sp>
       <p:sp>
         <p:nvSpPr>
-          <p:cNvPr id="58" name="Google Shape;58;g1804e47d889_2_5:notes"/>
+          <p:cNvPr id="58" name="Google Shape;58;g31c8bd459ba_0_108:notes"/>
           <p:cNvSpPr txBox="1"/>
           <p:nvPr>
             <p:ph idx="1" type="body"/>
@@ -6397,7 +6397,7 @@
               <a:srgbClr val="003064"/>
             </a:gs>
           </a:gsLst>
-          <a:lin ang="5400000" scaled="0"/>
+          <a:lin ang="5400012" scaled="0"/>
         </a:gradFill>
       </p:bgPr>
     </p:bg>
@@ -6423,8 +6423,8 @@
         </p:nvSpPr>
         <p:spPr>
           <a:xfrm>
-            <a:off x="29883675" y="27331400"/>
-            <a:ext cx="13077300" cy="4677900"/>
+            <a:off x="1406575" y="15910550"/>
+            <a:ext cx="19495500" cy="16098900"/>
           </a:xfrm>
           <a:prstGeom prst="roundRect">
             <a:avLst>
@@ -6432,125 +6432,7 @@
             </a:avLst>
           </a:prstGeom>
           <a:solidFill>
-            <a:schemeClr val="lt1"/>
-          </a:solidFill>
-          <a:ln cap="flat" cmpd="sng" w="9525">
-            <a:solidFill>
-              <a:schemeClr val="dk1"/>
-            </a:solidFill>
-            <a:prstDash val="solid"/>
-            <a:round/>
-            <a:headEnd len="sm" w="sm" type="none"/>
-            <a:tailEnd len="sm" w="sm" type="none"/>
-          </a:ln>
-        </p:spPr>
-        <p:txBody>
-          <a:bodyPr anchorCtr="0" anchor="ctr" bIns="41000" lIns="82025" spcFirstLastPara="1" rIns="82025" wrap="square" tIns="41000">
-            <a:noAutofit/>
-          </a:bodyPr>
-          <a:lstStyle/>
-          <a:p>
-            <a:pPr indent="0" lvl="0" marL="0" marR="0" rtl="0" algn="l">
-              <a:spcBef>
-                <a:spcPts val="0"/>
-              </a:spcBef>
-              <a:spcAft>
-                <a:spcPts val="0"/>
-              </a:spcAft>
-              <a:buNone/>
-            </a:pPr>
-            <a:r>
-              <a:t/>
-            </a:r>
-            <a:endParaRPr sz="7500">
-              <a:solidFill>
-                <a:schemeClr val="dk1"/>
-              </a:solidFill>
-              <a:latin typeface="Arial"/>
-              <a:ea typeface="Arial"/>
-              <a:cs typeface="Arial"/>
-              <a:sym typeface="Arial"/>
-            </a:endParaRPr>
-          </a:p>
-        </p:txBody>
-      </p:sp>
-      <p:sp>
-        <p:nvSpPr>
-          <p:cNvPr id="61" name="Google Shape;61;p15"/>
-          <p:cNvSpPr/>
-          <p:nvPr/>
-        </p:nvSpPr>
-        <p:spPr>
-          <a:xfrm>
-            <a:off x="29883650" y="16222500"/>
-            <a:ext cx="13077300" cy="10551000"/>
-          </a:xfrm>
-          <a:prstGeom prst="roundRect">
-            <a:avLst>
-              <a:gd fmla="val 6336" name="adj"/>
-            </a:avLst>
-          </a:prstGeom>
-          <a:solidFill>
-            <a:schemeClr val="lt1"/>
-          </a:solidFill>
-          <a:ln cap="flat" cmpd="sng" w="9525">
-            <a:solidFill>
-              <a:schemeClr val="dk1"/>
-            </a:solidFill>
-            <a:prstDash val="solid"/>
-            <a:round/>
-            <a:headEnd len="sm" w="sm" type="none"/>
-            <a:tailEnd len="sm" w="sm" type="none"/>
-          </a:ln>
-        </p:spPr>
-        <p:txBody>
-          <a:bodyPr anchorCtr="0" anchor="ctr" bIns="41000" lIns="82025" spcFirstLastPara="1" rIns="82025" wrap="square" tIns="41000">
-            <a:noAutofit/>
-          </a:bodyPr>
-          <a:lstStyle/>
-          <a:p>
-            <a:pPr indent="0" lvl="0" marL="0" marR="0" rtl="0" algn="l">
-              <a:spcBef>
-                <a:spcPts val="0"/>
-              </a:spcBef>
-              <a:spcAft>
-                <a:spcPts val="0"/>
-              </a:spcAft>
-              <a:buNone/>
-            </a:pPr>
-            <a:r>
-              <a:t/>
-            </a:r>
-            <a:endParaRPr sz="7500">
-              <a:solidFill>
-                <a:schemeClr val="dk1"/>
-              </a:solidFill>
-              <a:latin typeface="Arial"/>
-              <a:ea typeface="Arial"/>
-              <a:cs typeface="Arial"/>
-              <a:sym typeface="Arial"/>
-            </a:endParaRPr>
-          </a:p>
-        </p:txBody>
-      </p:sp>
-      <p:sp>
-        <p:nvSpPr>
-          <p:cNvPr id="62" name="Google Shape;62;p15"/>
-          <p:cNvSpPr/>
-          <p:nvPr/>
-        </p:nvSpPr>
-        <p:spPr>
-          <a:xfrm>
-            <a:off x="1406575" y="18965900"/>
-            <a:ext cx="13077300" cy="13043400"/>
-          </a:xfrm>
-          <a:prstGeom prst="roundRect">
-            <a:avLst>
-              <a:gd fmla="val 6336" name="adj"/>
-            </a:avLst>
-          </a:prstGeom>
-          <a:solidFill>
-            <a:schemeClr val="lt1"/>
+            <a:srgbClr val="F0F5FF"/>
           </a:solidFill>
           <a:ln cap="flat" cmpd="sng" w="9525">
             <a:solidFill>
@@ -6601,14 +6483,14 @@
       </p:sp>
       <p:sp>
         <p:nvSpPr>
-          <p:cNvPr id="63" name="Google Shape;63;p15"/>
+          <p:cNvPr id="61" name="Google Shape;61;p15"/>
           <p:cNvSpPr/>
           <p:nvPr/>
         </p:nvSpPr>
         <p:spPr>
           <a:xfrm>
-            <a:off x="1406600" y="5876350"/>
-            <a:ext cx="13077300" cy="12272100"/>
+            <a:off x="1406575" y="5573800"/>
+            <a:ext cx="19495500" cy="9906900"/>
           </a:xfrm>
           <a:prstGeom prst="roundRect">
             <a:avLst>
@@ -6616,7 +6498,7 @@
             </a:avLst>
           </a:prstGeom>
           <a:solidFill>
-            <a:schemeClr val="lt1"/>
+            <a:srgbClr val="F0F5FF"/>
           </a:solidFill>
           <a:ln cap="flat" cmpd="sng" w="9525">
             <a:solidFill>
@@ -6667,7 +6549,7 @@
       </p:sp>
       <p:sp>
         <p:nvSpPr>
-          <p:cNvPr id="64" name="Google Shape;64;p15"/>
+          <p:cNvPr id="62" name="Google Shape;62;p15"/>
           <p:cNvSpPr/>
           <p:nvPr/>
         </p:nvSpPr>
@@ -6690,7 +6572,7 @@
                 <a:schemeClr val="lt1"/>
               </a:gs>
             </a:gsLst>
-            <a:lin ang="5400000" scaled="0"/>
+            <a:lin ang="5400700" scaled="0"/>
           </a:gradFill>
           <a:ln cap="flat" cmpd="sng" w="9525">
             <a:solidFill>
@@ -6734,7 +6616,7 @@
       </p:sp>
       <p:sp>
         <p:nvSpPr>
-          <p:cNvPr id="65" name="Google Shape;65;p15"/>
+          <p:cNvPr id="63" name="Google Shape;63;p15"/>
           <p:cNvSpPr txBox="1"/>
           <p:nvPr/>
         </p:nvSpPr>
@@ -6776,19 +6658,7 @@
                 <a:cs typeface="Roboto"/>
                 <a:sym typeface="Roboto"/>
               </a:rPr>
-              <a:t>Travel Time By Mode of Transit:</a:t>
-            </a:r>
-            <a:r>
-              <a:rPr b="1" lang="en" sz="10100">
-                <a:solidFill>
-                  <a:schemeClr val="dk1"/>
-                </a:solidFill>
-                <a:latin typeface="Roboto"/>
-                <a:ea typeface="Roboto"/>
-                <a:cs typeface="Roboto"/>
-                <a:sym typeface="Roboto"/>
-              </a:rPr>
-              <a:t> </a:t>
+              <a:t>Travel Times By Mode of Transit: </a:t>
             </a:r>
             <a:endParaRPr b="1" sz="10100">
               <a:solidFill>
@@ -6820,7 +6690,7 @@
                 <a:cs typeface="Roboto"/>
                 <a:sym typeface="Roboto"/>
               </a:rPr>
-              <a:t>Bike-Sharing vs Subway</a:t>
+              <a:t>Bike-Sharing vs MBTA “T”</a:t>
             </a:r>
             <a:endParaRPr b="1" sz="100">
               <a:latin typeface="Roboto"/>
@@ -6833,7 +6703,7 @@
       </p:sp>
       <p:sp>
         <p:nvSpPr>
-          <p:cNvPr id="66" name="Google Shape;66;p15"/>
+          <p:cNvPr id="64" name="Google Shape;64;p15"/>
           <p:cNvSpPr txBox="1"/>
           <p:nvPr/>
         </p:nvSpPr>
@@ -6923,132 +6793,14 @@
       </p:sp>
       <p:sp>
         <p:nvSpPr>
-          <p:cNvPr id="67" name="Google Shape;67;p15"/>
-          <p:cNvSpPr/>
-          <p:nvPr/>
-        </p:nvSpPr>
-        <p:spPr>
-          <a:xfrm>
-            <a:off x="15645135" y="5876350"/>
-            <a:ext cx="13077300" cy="26133000"/>
-          </a:xfrm>
-          <a:prstGeom prst="roundRect">
-            <a:avLst>
-              <a:gd fmla="val 6336" name="adj"/>
-            </a:avLst>
-          </a:prstGeom>
-          <a:solidFill>
-            <a:schemeClr val="lt1"/>
-          </a:solidFill>
-          <a:ln cap="flat" cmpd="sng" w="9525">
-            <a:solidFill>
-              <a:schemeClr val="dk1"/>
-            </a:solidFill>
-            <a:prstDash val="solid"/>
-            <a:round/>
-            <a:headEnd len="sm" w="sm" type="none"/>
-            <a:tailEnd len="sm" w="sm" type="none"/>
-          </a:ln>
-        </p:spPr>
-        <p:txBody>
-          <a:bodyPr anchorCtr="0" anchor="ctr" bIns="41000" lIns="82025" spcFirstLastPara="1" rIns="82025" wrap="square" tIns="41000">
-            <a:noAutofit/>
-          </a:bodyPr>
-          <a:lstStyle/>
-          <a:p>
-            <a:pPr indent="0" lvl="0" marL="0" marR="0" rtl="0" algn="l">
-              <a:spcBef>
-                <a:spcPts val="0"/>
-              </a:spcBef>
-              <a:spcAft>
-                <a:spcPts val="0"/>
-              </a:spcAft>
-              <a:buNone/>
-            </a:pPr>
-            <a:r>
-              <a:t/>
-            </a:r>
-            <a:endParaRPr sz="7500">
-              <a:solidFill>
-                <a:schemeClr val="dk1"/>
-              </a:solidFill>
-              <a:latin typeface="Arial"/>
-              <a:ea typeface="Arial"/>
-              <a:cs typeface="Arial"/>
-              <a:sym typeface="Arial"/>
-            </a:endParaRPr>
-          </a:p>
-        </p:txBody>
-      </p:sp>
-      <p:sp>
-        <p:nvSpPr>
-          <p:cNvPr id="68" name="Google Shape;68;p15"/>
-          <p:cNvSpPr/>
-          <p:nvPr/>
-        </p:nvSpPr>
-        <p:spPr>
-          <a:xfrm>
-            <a:off x="29883650" y="5876350"/>
-            <a:ext cx="13077300" cy="9681600"/>
-          </a:xfrm>
-          <a:prstGeom prst="roundRect">
-            <a:avLst>
-              <a:gd fmla="val 6336" name="adj"/>
-            </a:avLst>
-          </a:prstGeom>
-          <a:solidFill>
-            <a:schemeClr val="lt1"/>
-          </a:solidFill>
-          <a:ln cap="flat" cmpd="sng" w="9525">
-            <a:solidFill>
-              <a:schemeClr val="dk1"/>
-            </a:solidFill>
-            <a:prstDash val="solid"/>
-            <a:round/>
-            <a:headEnd len="sm" w="sm" type="none"/>
-            <a:tailEnd len="sm" w="sm" type="none"/>
-          </a:ln>
-        </p:spPr>
-        <p:txBody>
-          <a:bodyPr anchorCtr="0" anchor="ctr" bIns="41000" lIns="82025" spcFirstLastPara="1" rIns="82025" wrap="square" tIns="41000">
-            <a:noAutofit/>
-          </a:bodyPr>
-          <a:lstStyle/>
-          <a:p>
-            <a:pPr indent="0" lvl="0" marL="0" marR="0" rtl="0" algn="l">
-              <a:spcBef>
-                <a:spcPts val="0"/>
-              </a:spcBef>
-              <a:spcAft>
-                <a:spcPts val="0"/>
-              </a:spcAft>
-              <a:buNone/>
-            </a:pPr>
-            <a:r>
-              <a:t/>
-            </a:r>
-            <a:endParaRPr sz="7500">
-              <a:solidFill>
-                <a:schemeClr val="dk1"/>
-              </a:solidFill>
-              <a:latin typeface="Arial"/>
-              <a:ea typeface="Arial"/>
-              <a:cs typeface="Arial"/>
-              <a:sym typeface="Arial"/>
-            </a:endParaRPr>
-          </a:p>
-        </p:txBody>
-      </p:sp>
-      <p:sp>
-        <p:nvSpPr>
-          <p:cNvPr id="69" name="Google Shape;69;p15"/>
+          <p:cNvPr id="65" name="Google Shape;65;p15"/>
           <p:cNvSpPr txBox="1"/>
           <p:nvPr/>
         </p:nvSpPr>
         <p:spPr>
           <a:xfrm>
-            <a:off x="4403665" y="6070725"/>
-            <a:ext cx="7083300" cy="1339200"/>
+            <a:off x="1978925" y="5768175"/>
+            <a:ext cx="18529800" cy="1339200"/>
           </a:xfrm>
           <a:prstGeom prst="rect">
             <a:avLst/>
@@ -7093,7 +6845,7 @@
       </p:sp>
       <p:pic>
         <p:nvPicPr>
-          <p:cNvPr id="70" name="Google Shape;70;p15"/>
+          <p:cNvPr id="66" name="Google Shape;66;p15"/>
           <p:cNvPicPr preferRelativeResize="0"/>
           <p:nvPr/>
         </p:nvPicPr>
@@ -7121,14 +6873,14 @@
       </p:pic>
       <p:sp>
         <p:nvSpPr>
-          <p:cNvPr id="71" name="Google Shape;71;p15"/>
+          <p:cNvPr id="67" name="Google Shape;67;p15"/>
           <p:cNvSpPr txBox="1"/>
           <p:nvPr/>
         </p:nvSpPr>
         <p:spPr>
           <a:xfrm>
-            <a:off x="3605371" y="19122900"/>
-            <a:ext cx="8679600" cy="1339200"/>
+            <a:off x="1978955" y="16050350"/>
+            <a:ext cx="19163700" cy="1339200"/>
           </a:xfrm>
           <a:prstGeom prst="rect">
             <a:avLst/>
@@ -7160,7 +6912,7 @@
                 <a:cs typeface="Roboto"/>
                 <a:sym typeface="Roboto"/>
               </a:rPr>
-              <a:t>Data and Methods</a:t>
+              <a:t>Data &amp; Methods</a:t>
             </a:r>
             <a:endParaRPr b="1" sz="7500">
               <a:latin typeface="Roboto"/>
@@ -7173,14 +6925,946 @@
       </p:sp>
       <p:sp>
         <p:nvSpPr>
+          <p:cNvPr id="68" name="Google Shape;68;p15"/>
+          <p:cNvSpPr txBox="1"/>
+          <p:nvPr/>
+        </p:nvSpPr>
+        <p:spPr>
+          <a:xfrm>
+            <a:off x="1978925" y="7107375"/>
+            <a:ext cx="18529800" cy="8373300"/>
+          </a:xfrm>
+          <a:prstGeom prst="rect">
+            <a:avLst/>
+          </a:prstGeom>
+          <a:noFill/>
+          <a:ln>
+            <a:noFill/>
+          </a:ln>
+        </p:spPr>
+        <p:txBody>
+          <a:bodyPr anchorCtr="0" anchor="t" bIns="91425" lIns="91425" spcFirstLastPara="1" rIns="91425" wrap="square" tIns="91425">
+            <a:spAutoFit/>
+          </a:bodyPr>
+          <a:lstStyle/>
+          <a:p>
+            <a:pPr indent="0" lvl="0" marL="0" rtl="0" algn="l">
+              <a:spcBef>
+                <a:spcPts val="0"/>
+              </a:spcBef>
+              <a:spcAft>
+                <a:spcPts val="0"/>
+              </a:spcAft>
+              <a:buNone/>
+            </a:pPr>
+            <a:r>
+              <a:rPr b="1" lang="en" sz="3600">
+                <a:solidFill>
+                  <a:schemeClr val="dk1"/>
+                </a:solidFill>
+              </a:rPr>
+              <a:t>Background</a:t>
+            </a:r>
+            <a:endParaRPr i="1" sz="3600">
+              <a:solidFill>
+                <a:schemeClr val="dk1"/>
+              </a:solidFill>
+            </a:endParaRPr>
+          </a:p>
+          <a:p>
+            <a:pPr indent="-457200" lvl="0" marL="457200" rtl="0" algn="l">
+              <a:spcBef>
+                <a:spcPts val="0"/>
+              </a:spcBef>
+              <a:spcAft>
+                <a:spcPts val="0"/>
+              </a:spcAft>
+              <a:buClr>
+                <a:schemeClr val="dk1"/>
+              </a:buClr>
+              <a:buSzPts val="3600"/>
+              <a:buChar char="●"/>
+            </a:pPr>
+            <a:r>
+              <a:rPr lang="en" sz="3600">
+                <a:solidFill>
+                  <a:schemeClr val="dk1"/>
+                </a:solidFill>
+              </a:rPr>
+              <a:t>Access to transit affects how people interact with their cities</a:t>
+            </a:r>
+            <a:endParaRPr sz="3600">
+              <a:solidFill>
+                <a:schemeClr val="dk1"/>
+              </a:solidFill>
+            </a:endParaRPr>
+          </a:p>
+          <a:p>
+            <a:pPr indent="-457200" lvl="0" marL="457200" rtl="0" algn="l">
+              <a:spcBef>
+                <a:spcPts val="0"/>
+              </a:spcBef>
+              <a:spcAft>
+                <a:spcPts val="0"/>
+              </a:spcAft>
+              <a:buClr>
+                <a:schemeClr val="dk1"/>
+              </a:buClr>
+              <a:buSzPts val="3600"/>
+              <a:buChar char="●"/>
+            </a:pPr>
+            <a:r>
+              <a:rPr lang="en" sz="3600">
+                <a:solidFill>
+                  <a:schemeClr val="dk1"/>
+                </a:solidFill>
+              </a:rPr>
+              <a:t>Bikesharing as substitute vs complement for other forms of public transit? (Kong et al 2020)</a:t>
+            </a:r>
+            <a:endParaRPr sz="3600">
+              <a:solidFill>
+                <a:schemeClr val="dk1"/>
+              </a:solidFill>
+            </a:endParaRPr>
+          </a:p>
+          <a:p>
+            <a:pPr indent="-457200" lvl="0" marL="457200" rtl="0" algn="l">
+              <a:spcBef>
+                <a:spcPts val="0"/>
+              </a:spcBef>
+              <a:spcAft>
+                <a:spcPts val="0"/>
+              </a:spcAft>
+              <a:buClr>
+                <a:schemeClr val="dk1"/>
+              </a:buClr>
+              <a:buSzPts val="3600"/>
+              <a:buChar char="●"/>
+            </a:pPr>
+            <a:r>
+              <a:rPr lang="en" sz="3600">
+                <a:solidFill>
+                  <a:schemeClr val="dk1"/>
+                </a:solidFill>
+              </a:rPr>
+              <a:t>Interested in whether bikeshare is a time-efficient choice in the Cambridge context</a:t>
+            </a:r>
+            <a:endParaRPr sz="3600">
+              <a:solidFill>
+                <a:schemeClr val="dk1"/>
+              </a:solidFill>
+            </a:endParaRPr>
+          </a:p>
+          <a:p>
+            <a:pPr indent="0" lvl="0" marL="0" rtl="0" algn="l">
+              <a:spcBef>
+                <a:spcPts val="0"/>
+              </a:spcBef>
+              <a:spcAft>
+                <a:spcPts val="0"/>
+              </a:spcAft>
+              <a:buNone/>
+            </a:pPr>
+            <a:r>
+              <a:t/>
+            </a:r>
+            <a:endParaRPr sz="2800"/>
+          </a:p>
+          <a:p>
+            <a:pPr indent="0" lvl="0" marL="0" rtl="0" algn="l">
+              <a:spcBef>
+                <a:spcPts val="0"/>
+              </a:spcBef>
+              <a:spcAft>
+                <a:spcPts val="0"/>
+              </a:spcAft>
+              <a:buNone/>
+            </a:pPr>
+            <a:r>
+              <a:rPr b="1" lang="en" sz="3600"/>
+              <a:t>Research Questions</a:t>
+            </a:r>
+            <a:endParaRPr i="1" sz="3600"/>
+          </a:p>
+          <a:p>
+            <a:pPr indent="-457200" lvl="0" marL="457200" rtl="0" algn="l">
+              <a:spcBef>
+                <a:spcPts val="0"/>
+              </a:spcBef>
+              <a:spcAft>
+                <a:spcPts val="0"/>
+              </a:spcAft>
+              <a:buSzPts val="3600"/>
+              <a:buChar char="●"/>
+            </a:pPr>
+            <a:r>
+              <a:rPr lang="en" sz="3600"/>
+              <a:t>RQ1: For Blue Bikes trips taken within Cambridge in summer 2023, for what percent of start/stop bikeshare station pairs is bikeshare faster (slower) than the T (within Cambridge)? How much faster (slower) is bikeshare?</a:t>
+            </a:r>
+            <a:endParaRPr sz="3600"/>
+          </a:p>
+          <a:p>
+            <a:pPr indent="-457200" lvl="1" marL="914400" rtl="0" algn="l">
+              <a:spcBef>
+                <a:spcPts val="0"/>
+              </a:spcBef>
+              <a:spcAft>
+                <a:spcPts val="0"/>
+              </a:spcAft>
+              <a:buSzPts val="3600"/>
+              <a:buChar char="○"/>
+            </a:pPr>
+            <a:r>
+              <a:rPr lang="en" sz="3600"/>
+              <a:t>H1: Bikeshare will be faster</a:t>
+            </a:r>
+            <a:endParaRPr sz="3600"/>
+          </a:p>
+          <a:p>
+            <a:pPr indent="-457200" lvl="0" marL="457200" rtl="0" algn="l">
+              <a:spcBef>
+                <a:spcPts val="0"/>
+              </a:spcBef>
+              <a:spcAft>
+                <a:spcPts val="0"/>
+              </a:spcAft>
+              <a:buSzPts val="3600"/>
+              <a:buChar char="●"/>
+            </a:pPr>
+            <a:r>
+              <a:rPr lang="en" sz="3600"/>
+              <a:t>RQ2: What is the relationship between initial walking distance from a T station and the difference in travel times across modes?</a:t>
+            </a:r>
+            <a:endParaRPr sz="3600"/>
+          </a:p>
+          <a:p>
+            <a:pPr indent="-457200" lvl="1" marL="914400" rtl="0" algn="l">
+              <a:spcBef>
+                <a:spcPts val="0"/>
+              </a:spcBef>
+              <a:spcAft>
+                <a:spcPts val="0"/>
+              </a:spcAft>
+              <a:buSzPts val="3600"/>
+              <a:buChar char="○"/>
+            </a:pPr>
+            <a:r>
+              <a:rPr lang="en" sz="3600"/>
+              <a:t>H2: </a:t>
+            </a:r>
+            <a:r>
+              <a:rPr lang="en" sz="3600">
+                <a:solidFill>
+                  <a:schemeClr val="dk1"/>
+                </a:solidFill>
+              </a:rPr>
+              <a:t>As initial walking distance from a T station increases, bikeshare will be relatively faster</a:t>
+            </a:r>
+            <a:endParaRPr sz="3600">
+              <a:solidFill>
+                <a:schemeClr val="dk1"/>
+              </a:solidFill>
+            </a:endParaRPr>
+          </a:p>
+        </p:txBody>
+      </p:sp>
+      <p:sp>
+        <p:nvSpPr>
+          <p:cNvPr id="69" name="Google Shape;69;p15"/>
+          <p:cNvSpPr txBox="1"/>
+          <p:nvPr/>
+        </p:nvSpPr>
+        <p:spPr>
+          <a:xfrm>
+            <a:off x="1978950" y="17476475"/>
+            <a:ext cx="11652900" cy="14407200"/>
+          </a:xfrm>
+          <a:prstGeom prst="rect">
+            <a:avLst/>
+          </a:prstGeom>
+          <a:noFill/>
+          <a:ln>
+            <a:noFill/>
+          </a:ln>
+        </p:spPr>
+        <p:txBody>
+          <a:bodyPr anchorCtr="0" anchor="t" bIns="91425" lIns="91425" spcFirstLastPara="1" rIns="91425" wrap="square" tIns="91425">
+            <a:spAutoFit/>
+          </a:bodyPr>
+          <a:lstStyle/>
+          <a:p>
+            <a:pPr indent="0" lvl="0" marL="0" rtl="0" algn="l">
+              <a:spcBef>
+                <a:spcPts val="0"/>
+              </a:spcBef>
+              <a:spcAft>
+                <a:spcPts val="0"/>
+              </a:spcAft>
+              <a:buNone/>
+            </a:pPr>
+            <a:r>
+              <a:rPr b="1" lang="en" sz="3600"/>
+              <a:t>Primary data sources</a:t>
+            </a:r>
+            <a:endParaRPr sz="3600"/>
+          </a:p>
+          <a:p>
+            <a:pPr indent="-457200" lvl="0" marL="457200" rtl="0" algn="l">
+              <a:spcBef>
+                <a:spcPts val="0"/>
+              </a:spcBef>
+              <a:spcAft>
+                <a:spcPts val="0"/>
+              </a:spcAft>
+              <a:buSzPts val="3600"/>
+              <a:buChar char="●"/>
+            </a:pPr>
+            <a:r>
+              <a:rPr lang="en" sz="3600"/>
+              <a:t>All Blue Bike trips (summer 2023)</a:t>
+            </a:r>
+            <a:endParaRPr sz="3600"/>
+          </a:p>
+          <a:p>
+            <a:pPr indent="-406400" lvl="1" marL="914400" rtl="0" algn="l">
+              <a:spcBef>
+                <a:spcPts val="0"/>
+              </a:spcBef>
+              <a:spcAft>
+                <a:spcPts val="0"/>
+              </a:spcAft>
+              <a:buSzPts val="2800"/>
+              <a:buChar char="○"/>
+            </a:pPr>
+            <a:r>
+              <a:rPr lang="en" sz="2800"/>
+              <a:t>Attributes: Start/end stations (ID, name, coordinates), start/end times</a:t>
+            </a:r>
+            <a:endParaRPr sz="2800"/>
+          </a:p>
+          <a:p>
+            <a:pPr indent="-457200" lvl="0" marL="457200" rtl="0" algn="l">
+              <a:spcBef>
+                <a:spcPts val="0"/>
+              </a:spcBef>
+              <a:spcAft>
+                <a:spcPts val="0"/>
+              </a:spcAft>
+              <a:buSzPts val="3600"/>
+              <a:buChar char="●"/>
+            </a:pPr>
+            <a:r>
+              <a:rPr lang="en" sz="3600"/>
+              <a:t>MBTA “T” trips</a:t>
+            </a:r>
+            <a:endParaRPr sz="3600"/>
+          </a:p>
+          <a:p>
+            <a:pPr indent="-406400" lvl="1" marL="914400" rtl="0" algn="l">
+              <a:spcBef>
+                <a:spcPts val="0"/>
+              </a:spcBef>
+              <a:spcAft>
+                <a:spcPts val="0"/>
+              </a:spcAft>
+              <a:buClr>
+                <a:schemeClr val="dk1"/>
+              </a:buClr>
+              <a:buSzPts val="2800"/>
+              <a:buChar char="○"/>
+            </a:pPr>
+            <a:r>
+              <a:rPr lang="en" sz="2800">
+                <a:solidFill>
+                  <a:schemeClr val="dk1"/>
+                </a:solidFill>
+              </a:rPr>
+              <a:t>Attributes: Start/end stations (ID), service date, start/end times, travel times</a:t>
+            </a:r>
+            <a:endParaRPr sz="2800"/>
+          </a:p>
+          <a:p>
+            <a:pPr indent="0" lvl="0" marL="0" rtl="0" algn="l">
+              <a:spcBef>
+                <a:spcPts val="0"/>
+              </a:spcBef>
+              <a:spcAft>
+                <a:spcPts val="0"/>
+              </a:spcAft>
+              <a:buNone/>
+            </a:pPr>
+            <a:r>
+              <a:t/>
+            </a:r>
+            <a:endParaRPr sz="2800">
+              <a:solidFill>
+                <a:schemeClr val="dk1"/>
+              </a:solidFill>
+            </a:endParaRPr>
+          </a:p>
+          <a:p>
+            <a:pPr indent="0" lvl="0" marL="0" rtl="0" algn="l">
+              <a:spcBef>
+                <a:spcPts val="0"/>
+              </a:spcBef>
+              <a:spcAft>
+                <a:spcPts val="0"/>
+              </a:spcAft>
+              <a:buNone/>
+            </a:pPr>
+            <a:r>
+              <a:rPr b="1" lang="en" sz="3600">
+                <a:solidFill>
+                  <a:schemeClr val="dk1"/>
+                </a:solidFill>
+              </a:rPr>
+              <a:t>Secondary data sources</a:t>
+            </a:r>
+            <a:endParaRPr b="1" sz="3600">
+              <a:solidFill>
+                <a:schemeClr val="dk1"/>
+              </a:solidFill>
+            </a:endParaRPr>
+          </a:p>
+          <a:p>
+            <a:pPr indent="-457200" lvl="0" marL="457200" rtl="0" algn="l">
+              <a:spcBef>
+                <a:spcPts val="0"/>
+              </a:spcBef>
+              <a:spcAft>
+                <a:spcPts val="0"/>
+              </a:spcAft>
+              <a:buClr>
+                <a:schemeClr val="dk1"/>
+              </a:buClr>
+              <a:buSzPts val="3600"/>
+              <a:buChar char="●"/>
+            </a:pPr>
+            <a:r>
+              <a:rPr lang="en" sz="3600">
+                <a:solidFill>
+                  <a:schemeClr val="dk1"/>
+                </a:solidFill>
+              </a:rPr>
+              <a:t>Blue Bike stations</a:t>
+            </a:r>
+            <a:endParaRPr sz="2800">
+              <a:solidFill>
+                <a:schemeClr val="dk1"/>
+              </a:solidFill>
+            </a:endParaRPr>
+          </a:p>
+          <a:p>
+            <a:pPr indent="-406400" lvl="1" marL="914400" rtl="0" algn="l">
+              <a:spcBef>
+                <a:spcPts val="0"/>
+              </a:spcBef>
+              <a:spcAft>
+                <a:spcPts val="0"/>
+              </a:spcAft>
+              <a:buClr>
+                <a:schemeClr val="dk1"/>
+              </a:buClr>
+              <a:buSzPts val="2800"/>
+              <a:buChar char="○"/>
+            </a:pPr>
+            <a:r>
+              <a:rPr lang="en" sz="2800">
+                <a:solidFill>
+                  <a:schemeClr val="dk1"/>
+                </a:solidFill>
+              </a:rPr>
+              <a:t>Use: Identify Blue Bike stations in Cambridge</a:t>
+            </a:r>
+            <a:endParaRPr sz="2800">
+              <a:solidFill>
+                <a:schemeClr val="dk1"/>
+              </a:solidFill>
+            </a:endParaRPr>
+          </a:p>
+          <a:p>
+            <a:pPr indent="-457200" lvl="0" marL="457200" rtl="0" algn="l">
+              <a:spcBef>
+                <a:spcPts val="0"/>
+              </a:spcBef>
+              <a:spcAft>
+                <a:spcPts val="0"/>
+              </a:spcAft>
+              <a:buClr>
+                <a:schemeClr val="dk1"/>
+              </a:buClr>
+              <a:buSzPts val="3600"/>
+              <a:buChar char="●"/>
+            </a:pPr>
+            <a:r>
+              <a:rPr lang="en" sz="3600">
+                <a:solidFill>
+                  <a:schemeClr val="dk1"/>
+                </a:solidFill>
+              </a:rPr>
+              <a:t>T stations</a:t>
+            </a:r>
+            <a:endParaRPr sz="3600">
+              <a:solidFill>
+                <a:schemeClr val="dk1"/>
+              </a:solidFill>
+            </a:endParaRPr>
+          </a:p>
+          <a:p>
+            <a:pPr indent="-406400" lvl="1" marL="914400" rtl="0" algn="l">
+              <a:spcBef>
+                <a:spcPts val="0"/>
+              </a:spcBef>
+              <a:spcAft>
+                <a:spcPts val="0"/>
+              </a:spcAft>
+              <a:buClr>
+                <a:schemeClr val="dk1"/>
+              </a:buClr>
+              <a:buSzPts val="2800"/>
+              <a:buChar char="○"/>
+            </a:pPr>
+            <a:r>
+              <a:rPr lang="en" sz="2800">
+                <a:solidFill>
+                  <a:schemeClr val="dk1"/>
+                </a:solidFill>
+              </a:rPr>
+              <a:t>Use: Match T trips station IDs to T trips station names</a:t>
+            </a:r>
+            <a:endParaRPr sz="2800">
+              <a:solidFill>
+                <a:schemeClr val="dk1"/>
+              </a:solidFill>
+            </a:endParaRPr>
+          </a:p>
+          <a:p>
+            <a:pPr indent="-457200" lvl="0" marL="457200" rtl="0" algn="l">
+              <a:spcBef>
+                <a:spcPts val="0"/>
+              </a:spcBef>
+              <a:spcAft>
+                <a:spcPts val="0"/>
+              </a:spcAft>
+              <a:buClr>
+                <a:schemeClr val="dk1"/>
+              </a:buClr>
+              <a:buSzPts val="3600"/>
+              <a:buChar char="●"/>
+            </a:pPr>
+            <a:r>
+              <a:rPr lang="en" sz="3600">
+                <a:solidFill>
+                  <a:schemeClr val="dk1"/>
+                </a:solidFill>
+              </a:rPr>
+              <a:t>T trips January 2024</a:t>
+            </a:r>
+            <a:endParaRPr sz="2800">
+              <a:solidFill>
+                <a:schemeClr val="dk1"/>
+              </a:solidFill>
+            </a:endParaRPr>
+          </a:p>
+          <a:p>
+            <a:pPr indent="-406400" lvl="1" marL="914400" rtl="0" algn="l">
+              <a:spcBef>
+                <a:spcPts val="0"/>
+              </a:spcBef>
+              <a:spcAft>
+                <a:spcPts val="0"/>
+              </a:spcAft>
+              <a:buClr>
+                <a:schemeClr val="dk1"/>
+              </a:buClr>
+              <a:buSzPts val="2800"/>
+              <a:buChar char="○"/>
+            </a:pPr>
+            <a:r>
+              <a:rPr lang="en" sz="2800">
+                <a:solidFill>
+                  <a:schemeClr val="dk1"/>
+                </a:solidFill>
+              </a:rPr>
+              <a:t>Use: Match T trips station names to T station start/stop coordinates</a:t>
+            </a:r>
+            <a:endParaRPr sz="2800">
+              <a:solidFill>
+                <a:schemeClr val="dk1"/>
+              </a:solidFill>
+            </a:endParaRPr>
+          </a:p>
+          <a:p>
+            <a:pPr indent="0" lvl="0" marL="0" rtl="0" algn="l">
+              <a:spcBef>
+                <a:spcPts val="0"/>
+              </a:spcBef>
+              <a:spcAft>
+                <a:spcPts val="0"/>
+              </a:spcAft>
+              <a:buNone/>
+            </a:pPr>
+            <a:r>
+              <a:t/>
+            </a:r>
+            <a:endParaRPr sz="2800">
+              <a:solidFill>
+                <a:schemeClr val="dk1"/>
+              </a:solidFill>
+            </a:endParaRPr>
+          </a:p>
+          <a:p>
+            <a:pPr indent="0" lvl="0" marL="0" rtl="0" algn="l">
+              <a:spcBef>
+                <a:spcPts val="0"/>
+              </a:spcBef>
+              <a:spcAft>
+                <a:spcPts val="0"/>
+              </a:spcAft>
+              <a:buNone/>
+            </a:pPr>
+            <a:r>
+              <a:rPr b="1" lang="en" sz="3600">
+                <a:solidFill>
+                  <a:schemeClr val="dk1"/>
+                </a:solidFill>
+              </a:rPr>
+              <a:t>Data manipulation</a:t>
+            </a:r>
+            <a:endParaRPr sz="3600">
+              <a:solidFill>
+                <a:schemeClr val="dk1"/>
+              </a:solidFill>
+            </a:endParaRPr>
+          </a:p>
+          <a:p>
+            <a:pPr indent="-457200" lvl="0" marL="457200" rtl="0" algn="l">
+              <a:spcBef>
+                <a:spcPts val="0"/>
+              </a:spcBef>
+              <a:spcAft>
+                <a:spcPts val="0"/>
+              </a:spcAft>
+              <a:buClr>
+                <a:schemeClr val="dk1"/>
+              </a:buClr>
+              <a:buSzPts val="3600"/>
+              <a:buChar char="●"/>
+            </a:pPr>
+            <a:r>
+              <a:rPr lang="en" sz="3600">
+                <a:solidFill>
+                  <a:schemeClr val="dk1"/>
+                </a:solidFill>
+              </a:rPr>
+              <a:t>For each bikeshare trip, calculated the length of the corresponding “T” trip and walking trip → took minimum</a:t>
+            </a:r>
+            <a:endParaRPr sz="3600">
+              <a:solidFill>
+                <a:schemeClr val="dk1"/>
+              </a:solidFill>
+            </a:endParaRPr>
+          </a:p>
+          <a:p>
+            <a:pPr indent="-406400" lvl="1" marL="914400" rtl="0" algn="l">
+              <a:spcBef>
+                <a:spcPts val="0"/>
+              </a:spcBef>
+              <a:spcAft>
+                <a:spcPts val="0"/>
+              </a:spcAft>
+              <a:buClr>
+                <a:schemeClr val="dk1"/>
+              </a:buClr>
+              <a:buSzPts val="2800"/>
+              <a:buChar char="○"/>
+            </a:pPr>
+            <a:r>
+              <a:rPr lang="en" sz="2800">
+                <a:solidFill>
+                  <a:schemeClr val="dk1"/>
+                </a:solidFill>
+              </a:rPr>
+              <a:t>Used T data from the exact day and time when the bike ride took place</a:t>
+            </a:r>
+            <a:endParaRPr sz="2800">
+              <a:solidFill>
+                <a:schemeClr val="dk1"/>
+              </a:solidFill>
+            </a:endParaRPr>
+          </a:p>
+          <a:p>
+            <a:pPr indent="-406400" lvl="2" marL="1371600" rtl="0" algn="l">
+              <a:spcBef>
+                <a:spcPts val="0"/>
+              </a:spcBef>
+              <a:spcAft>
+                <a:spcPts val="0"/>
+              </a:spcAft>
+              <a:buClr>
+                <a:schemeClr val="dk1"/>
+              </a:buClr>
+              <a:buSzPts val="2800"/>
+              <a:buChar char="■"/>
+            </a:pPr>
+            <a:r>
+              <a:rPr lang="en" sz="2800">
+                <a:solidFill>
+                  <a:schemeClr val="dk1"/>
+                </a:solidFill>
+              </a:rPr>
+              <a:t>T trip time includes time waiting for the next T</a:t>
+            </a:r>
+            <a:endParaRPr sz="2800">
+              <a:solidFill>
+                <a:schemeClr val="dk1"/>
+              </a:solidFill>
+            </a:endParaRPr>
+          </a:p>
+          <a:p>
+            <a:pPr indent="-406400" lvl="1" marL="914400" rtl="0" algn="l">
+              <a:spcBef>
+                <a:spcPts val="0"/>
+              </a:spcBef>
+              <a:spcAft>
+                <a:spcPts val="0"/>
+              </a:spcAft>
+              <a:buClr>
+                <a:schemeClr val="dk1"/>
+              </a:buClr>
+              <a:buSzPts val="2800"/>
+              <a:buChar char="○"/>
+            </a:pPr>
+            <a:r>
+              <a:rPr lang="en" sz="2800">
+                <a:solidFill>
+                  <a:schemeClr val="dk1"/>
+                </a:solidFill>
+              </a:rPr>
+              <a:t>Used Google Maps API to get all walk times</a:t>
+            </a:r>
+            <a:endParaRPr sz="2800">
+              <a:solidFill>
+                <a:schemeClr val="dk1"/>
+              </a:solidFill>
+            </a:endParaRPr>
+          </a:p>
+          <a:p>
+            <a:pPr indent="-406400" lvl="2" marL="1371600" rtl="0" algn="l">
+              <a:spcBef>
+                <a:spcPts val="0"/>
+              </a:spcBef>
+              <a:spcAft>
+                <a:spcPts val="0"/>
+              </a:spcAft>
+              <a:buClr>
+                <a:schemeClr val="dk1"/>
+              </a:buClr>
+              <a:buSzPts val="2800"/>
+              <a:buChar char="■"/>
+            </a:pPr>
+            <a:r>
+              <a:rPr lang="en" sz="2800">
+                <a:solidFill>
+                  <a:schemeClr val="dk1"/>
+                </a:solidFill>
+              </a:rPr>
+              <a:t>Assumed walk time from bike station to T station and vice versa are the same</a:t>
+            </a:r>
+            <a:endParaRPr sz="2800">
+              <a:solidFill>
+                <a:schemeClr val="dk1"/>
+              </a:solidFill>
+            </a:endParaRPr>
+          </a:p>
+          <a:p>
+            <a:pPr indent="-457200" lvl="0" marL="457200" rtl="0" algn="l">
+              <a:spcBef>
+                <a:spcPts val="0"/>
+              </a:spcBef>
+              <a:spcAft>
+                <a:spcPts val="0"/>
+              </a:spcAft>
+              <a:buClr>
+                <a:schemeClr val="dk1"/>
+              </a:buClr>
+              <a:buSzPts val="3600"/>
+              <a:buChar char="●"/>
+            </a:pPr>
+            <a:r>
+              <a:rPr lang="en" sz="3600">
+                <a:solidFill>
+                  <a:schemeClr val="dk1"/>
+                </a:solidFill>
+              </a:rPr>
+              <a:t>For each start/end bikeshare station pair (with &gt; 10 rides), found median trip time for bikeshare vs T/walking</a:t>
+            </a:r>
+            <a:endParaRPr b="1" sz="3600">
+              <a:solidFill>
+                <a:schemeClr val="dk1"/>
+              </a:solidFill>
+            </a:endParaRPr>
+          </a:p>
+        </p:txBody>
+      </p:sp>
+      <p:sp>
+        <p:nvSpPr>
+          <p:cNvPr id="70" name="Google Shape;70;p15"/>
+          <p:cNvSpPr txBox="1"/>
+          <p:nvPr/>
+        </p:nvSpPr>
+        <p:spPr>
+          <a:xfrm>
+            <a:off x="279375" y="32225600"/>
+            <a:ext cx="36671700" cy="492600"/>
+          </a:xfrm>
+          <a:prstGeom prst="rect">
+            <a:avLst/>
+          </a:prstGeom>
+          <a:noFill/>
+          <a:ln>
+            <a:noFill/>
+          </a:ln>
+        </p:spPr>
+        <p:txBody>
+          <a:bodyPr anchorCtr="0" anchor="t" bIns="91425" lIns="91425" spcFirstLastPara="1" rIns="91425" wrap="square" tIns="91425">
+            <a:spAutoFit/>
+          </a:bodyPr>
+          <a:lstStyle/>
+          <a:p>
+            <a:pPr indent="0" lvl="0" marL="0" rtl="0" algn="l">
+              <a:lnSpc>
+                <a:spcPct val="115000"/>
+              </a:lnSpc>
+              <a:spcBef>
+                <a:spcPts val="0"/>
+              </a:spcBef>
+              <a:spcAft>
+                <a:spcPts val="0"/>
+              </a:spcAft>
+              <a:buClr>
+                <a:schemeClr val="dk1"/>
+              </a:buClr>
+              <a:buSzPts val="1100"/>
+              <a:buFont typeface="Arial"/>
+              <a:buNone/>
+            </a:pPr>
+            <a:r>
+              <a:rPr b="1" lang="en" sz="2000">
+                <a:solidFill>
+                  <a:schemeClr val="lt1"/>
+                </a:solidFill>
+              </a:rPr>
+              <a:t>Sources.</a:t>
+            </a:r>
+            <a:r>
+              <a:rPr lang="en" sz="2000">
+                <a:solidFill>
+                  <a:schemeClr val="lt1"/>
+                </a:solidFill>
+              </a:rPr>
+              <a:t> Kong, Hui, Scarlett T. Jin, and Daniel Z. Sui. “Deciphering the Relationship between Bikesharing and Public Transit: Modal Substitution, Integration, and Complementation.” </a:t>
+            </a:r>
+            <a:r>
+              <a:rPr i="1" lang="en" sz="2000">
+                <a:solidFill>
+                  <a:schemeClr val="lt1"/>
+                </a:solidFill>
+              </a:rPr>
+              <a:t>Transportation Research Part D: Transport and Environment</a:t>
+            </a:r>
+            <a:r>
+              <a:rPr lang="en" sz="2000">
+                <a:solidFill>
+                  <a:schemeClr val="lt1"/>
+                </a:solidFill>
+              </a:rPr>
+              <a:t> 85 (August 1, 2020): 102392. https://doi.org/10.1016/j.trd.2020.102392.</a:t>
+            </a:r>
+            <a:endParaRPr sz="2000">
+              <a:solidFill>
+                <a:schemeClr val="lt1"/>
+              </a:solidFill>
+            </a:endParaRPr>
+          </a:p>
+        </p:txBody>
+      </p:sp>
+      <p:sp>
+        <p:nvSpPr>
+          <p:cNvPr id="71" name="Google Shape;71;p15"/>
+          <p:cNvSpPr/>
+          <p:nvPr/>
+        </p:nvSpPr>
+        <p:spPr>
+          <a:xfrm>
+            <a:off x="21544075" y="15910550"/>
+            <a:ext cx="12602400" cy="10453200"/>
+          </a:xfrm>
+          <a:prstGeom prst="roundRect">
+            <a:avLst>
+              <a:gd fmla="val 6336" name="adj"/>
+            </a:avLst>
+          </a:prstGeom>
+          <a:solidFill>
+            <a:srgbClr val="F0F5FF"/>
+          </a:solidFill>
+          <a:ln cap="flat" cmpd="sng" w="9525">
+            <a:solidFill>
+              <a:schemeClr val="dk1"/>
+            </a:solidFill>
+            <a:prstDash val="solid"/>
+            <a:round/>
+            <a:headEnd len="sm" w="sm" type="none"/>
+            <a:tailEnd len="sm" w="sm" type="none"/>
+          </a:ln>
+          <a:effectLst>
+            <a:outerShdw blurRad="57150" rotWithShape="0" algn="bl" dir="5400000" dist="19050">
+              <a:srgbClr val="000000">
+                <a:alpha val="50000"/>
+              </a:srgbClr>
+            </a:outerShdw>
+          </a:effectLst>
+        </p:spPr>
+        <p:txBody>
+          <a:bodyPr anchorCtr="0" anchor="ctr" bIns="41000" lIns="82025" spcFirstLastPara="1" rIns="82025" wrap="square" tIns="41000">
+            <a:noAutofit/>
+          </a:bodyPr>
+          <a:lstStyle/>
+          <a:p>
+            <a:pPr indent="0" lvl="0" marL="0" marR="0" rtl="0" algn="l">
+              <a:spcBef>
+                <a:spcPts val="0"/>
+              </a:spcBef>
+              <a:spcAft>
+                <a:spcPts val="0"/>
+              </a:spcAft>
+              <a:buNone/>
+            </a:pPr>
+            <a:r>
+              <a:t/>
+            </a:r>
+            <a:endParaRPr sz="7500">
+              <a:solidFill>
+                <a:schemeClr val="dk1"/>
+              </a:solidFill>
+              <a:latin typeface="Arial"/>
+              <a:ea typeface="Arial"/>
+              <a:cs typeface="Arial"/>
+              <a:sym typeface="Arial"/>
+            </a:endParaRPr>
+          </a:p>
+        </p:txBody>
+      </p:sp>
+      <p:sp>
+        <p:nvSpPr>
           <p:cNvPr id="72" name="Google Shape;72;p15"/>
           <p:cNvSpPr txBox="1"/>
           <p:nvPr/>
         </p:nvSpPr>
         <p:spPr>
           <a:xfrm>
-            <a:off x="17605781" y="6070725"/>
-            <a:ext cx="8679600" cy="1339200"/>
+            <a:off x="21976450" y="16073550"/>
+            <a:ext cx="12073500" cy="1339200"/>
           </a:xfrm>
           <a:prstGeom prst="rect">
             <a:avLst/>
@@ -7226,13 +7910,79 @@
       <p:sp>
         <p:nvSpPr>
           <p:cNvPr id="73" name="Google Shape;73;p15"/>
+          <p:cNvSpPr/>
+          <p:nvPr/>
+        </p:nvSpPr>
+        <p:spPr>
+          <a:xfrm>
+            <a:off x="21544075" y="26738575"/>
+            <a:ext cx="21417000" cy="5270700"/>
+          </a:xfrm>
+          <a:prstGeom prst="roundRect">
+            <a:avLst>
+              <a:gd fmla="val 6336" name="adj"/>
+            </a:avLst>
+          </a:prstGeom>
+          <a:solidFill>
+            <a:srgbClr val="F0F5FF"/>
+          </a:solidFill>
+          <a:ln cap="flat" cmpd="sng" w="9525">
+            <a:solidFill>
+              <a:schemeClr val="dk1"/>
+            </a:solidFill>
+            <a:prstDash val="solid"/>
+            <a:round/>
+            <a:headEnd len="sm" w="sm" type="none"/>
+            <a:tailEnd len="sm" w="sm" type="none"/>
+          </a:ln>
+          <a:effectLst>
+            <a:outerShdw blurRad="57150" rotWithShape="0" algn="bl" dir="5400000" dist="19050">
+              <a:srgbClr val="000000">
+                <a:alpha val="50000"/>
+              </a:srgbClr>
+            </a:outerShdw>
+          </a:effectLst>
+        </p:spPr>
+        <p:txBody>
+          <a:bodyPr anchorCtr="0" anchor="ctr" bIns="41000" lIns="82025" spcFirstLastPara="1" rIns="82025" wrap="square" tIns="41000">
+            <a:noAutofit/>
+          </a:bodyPr>
+          <a:lstStyle/>
+          <a:p>
+            <a:pPr indent="0" lvl="0" marL="0" marR="0" rtl="0" algn="l">
+              <a:spcBef>
+                <a:spcPts val="0"/>
+              </a:spcBef>
+              <a:spcAft>
+                <a:spcPts val="0"/>
+              </a:spcAft>
+              <a:buNone/>
+            </a:pPr>
+            <a:r>
+              <a:t/>
+            </a:r>
+            <a:endParaRPr sz="7500">
+              <a:solidFill>
+                <a:schemeClr val="dk1"/>
+              </a:solidFill>
+              <a:latin typeface="Arial"/>
+              <a:ea typeface="Arial"/>
+              <a:cs typeface="Arial"/>
+              <a:sym typeface="Arial"/>
+            </a:endParaRPr>
+          </a:p>
+        </p:txBody>
+      </p:sp>
+      <p:sp>
+        <p:nvSpPr>
+          <p:cNvPr id="74" name="Google Shape;74;p15"/>
           <p:cNvSpPr txBox="1"/>
           <p:nvPr/>
         </p:nvSpPr>
         <p:spPr>
           <a:xfrm>
-            <a:off x="32082529" y="6070725"/>
-            <a:ext cx="8679600" cy="1339200"/>
+            <a:off x="22504818" y="27041800"/>
+            <a:ext cx="19495500" cy="1339200"/>
           </a:xfrm>
           <a:prstGeom prst="rect">
             <a:avLst/>
@@ -7264,59 +8014,7 @@
                 <a:cs typeface="Roboto"/>
                 <a:sym typeface="Roboto"/>
               </a:rPr>
-              <a:t>Discussion</a:t>
-            </a:r>
-            <a:endParaRPr b="1" sz="7500">
-              <a:latin typeface="Roboto"/>
-              <a:ea typeface="Roboto"/>
-              <a:cs typeface="Roboto"/>
-              <a:sym typeface="Roboto"/>
-            </a:endParaRPr>
-          </a:p>
-        </p:txBody>
-      </p:sp>
-      <p:sp>
-        <p:nvSpPr>
-          <p:cNvPr id="74" name="Google Shape;74;p15"/>
-          <p:cNvSpPr txBox="1"/>
-          <p:nvPr/>
-        </p:nvSpPr>
-        <p:spPr>
-          <a:xfrm>
-            <a:off x="32082529" y="16243800"/>
-            <a:ext cx="8679600" cy="1339200"/>
-          </a:xfrm>
-          <a:prstGeom prst="rect">
-            <a:avLst/>
-          </a:prstGeom>
-          <a:noFill/>
-          <a:ln>
-            <a:noFill/>
-          </a:ln>
-        </p:spPr>
-        <p:txBody>
-          <a:bodyPr anchorCtr="0" anchor="t" bIns="91425" lIns="91425" spcFirstLastPara="1" rIns="91425" wrap="square" tIns="91425">
-            <a:spAutoFit/>
-          </a:bodyPr>
-          <a:lstStyle/>
-          <a:p>
-            <a:pPr indent="0" lvl="0" marL="0" rtl="0" algn="ctr">
-              <a:spcBef>
-                <a:spcPts val="0"/>
-              </a:spcBef>
-              <a:spcAft>
-                <a:spcPts val="0"/>
-              </a:spcAft>
-              <a:buNone/>
-            </a:pPr>
-            <a:r>
-              <a:rPr b="1" lang="en" sz="7500">
-                <a:latin typeface="Roboto"/>
-                <a:ea typeface="Roboto"/>
-                <a:cs typeface="Roboto"/>
-                <a:sym typeface="Roboto"/>
-              </a:rPr>
-              <a:t>Conclusion</a:t>
+              <a:t>Discussion &amp; Conclusion</a:t>
             </a:r>
             <a:endParaRPr b="1" sz="7500">
               <a:latin typeface="Roboto"/>
@@ -7335,8 +8033,390 @@
         </p:nvSpPr>
         <p:spPr>
           <a:xfrm>
-            <a:off x="1978945" y="7409925"/>
-            <a:ext cx="11932500" cy="10158900"/>
+            <a:off x="21976350" y="28597888"/>
+            <a:ext cx="9736200" cy="2955300"/>
+          </a:xfrm>
+          <a:prstGeom prst="rect">
+            <a:avLst/>
+          </a:prstGeom>
+          <a:noFill/>
+          <a:ln>
+            <a:noFill/>
+          </a:ln>
+        </p:spPr>
+        <p:txBody>
+          <a:bodyPr anchorCtr="0" anchor="t" bIns="91425" lIns="91425" spcFirstLastPara="1" rIns="91425" wrap="square" tIns="91425">
+            <a:spAutoFit/>
+          </a:bodyPr>
+          <a:lstStyle/>
+          <a:p>
+            <a:pPr indent="-457200" lvl="0" marL="457200" rtl="0" algn="l">
+              <a:spcBef>
+                <a:spcPts val="0"/>
+              </a:spcBef>
+              <a:spcAft>
+                <a:spcPts val="0"/>
+              </a:spcAft>
+              <a:buClr>
+                <a:schemeClr val="dk1"/>
+              </a:buClr>
+              <a:buSzPts val="3600"/>
+              <a:buChar char="●"/>
+            </a:pPr>
+            <a:r>
+              <a:rPr lang="en" sz="3600">
+                <a:solidFill>
+                  <a:schemeClr val="dk1"/>
+                </a:solidFill>
+              </a:rPr>
+              <a:t>→ Provides evidence that bikesharing can be a time-efficient mode of transit</a:t>
+            </a:r>
+            <a:endParaRPr sz="3600">
+              <a:solidFill>
+                <a:schemeClr val="dk1"/>
+              </a:solidFill>
+            </a:endParaRPr>
+          </a:p>
+          <a:p>
+            <a:pPr indent="-457200" lvl="0" marL="457200" rtl="0" algn="l">
+              <a:spcBef>
+                <a:spcPts val="0"/>
+              </a:spcBef>
+              <a:spcAft>
+                <a:spcPts val="0"/>
+              </a:spcAft>
+              <a:buClr>
+                <a:schemeClr val="dk1"/>
+              </a:buClr>
+              <a:buSzPts val="3600"/>
+              <a:buChar char="●"/>
+            </a:pPr>
+            <a:r>
+              <a:rPr lang="en" sz="3600">
+                <a:solidFill>
+                  <a:schemeClr val="dk1"/>
+                </a:solidFill>
+              </a:rPr>
+              <a:t>Limitation: Here, people are 1) starting at bikeshare stations and 2) do not have to wait for bikes, but they do have to wait for the T</a:t>
+            </a:r>
+            <a:endParaRPr sz="3600">
+              <a:solidFill>
+                <a:schemeClr val="dk1"/>
+              </a:solidFill>
+            </a:endParaRPr>
+          </a:p>
+        </p:txBody>
+      </p:sp>
+      <p:pic>
+        <p:nvPicPr>
+          <p:cNvPr id="76" name="Google Shape;76;p15"/>
+          <p:cNvPicPr preferRelativeResize="0"/>
+          <p:nvPr/>
+        </p:nvPicPr>
+        <p:blipFill>
+          <a:blip r:embed="rId4">
+            <a:alphaModFix/>
+          </a:blip>
+          <a:stretch>
+            <a:fillRect/>
+          </a:stretch>
+        </p:blipFill>
+        <p:spPr>
+          <a:xfrm>
+            <a:off x="13631851" y="18773699"/>
+            <a:ext cx="6876799" cy="9604801"/>
+          </a:xfrm>
+          <a:prstGeom prst="rect">
+            <a:avLst/>
+          </a:prstGeom>
+          <a:noFill/>
+          <a:ln cap="flat" cmpd="sng" w="9525">
+            <a:solidFill>
+              <a:schemeClr val="dk2"/>
+            </a:solidFill>
+            <a:prstDash val="solid"/>
+            <a:round/>
+            <a:headEnd len="sm" w="sm" type="none"/>
+            <a:tailEnd len="sm" w="sm" type="none"/>
+          </a:ln>
+        </p:spPr>
+      </p:pic>
+      <p:sp>
+        <p:nvSpPr>
+          <p:cNvPr id="77" name="Google Shape;77;p15"/>
+          <p:cNvSpPr txBox="1"/>
+          <p:nvPr/>
+        </p:nvSpPr>
+        <p:spPr>
+          <a:xfrm>
+            <a:off x="29831125" y="17369625"/>
+            <a:ext cx="4218900" cy="8435100"/>
+          </a:xfrm>
+          <a:prstGeom prst="rect">
+            <a:avLst/>
+          </a:prstGeom>
+          <a:noFill/>
+          <a:ln>
+            <a:noFill/>
+          </a:ln>
+        </p:spPr>
+        <p:txBody>
+          <a:bodyPr anchorCtr="0" anchor="t" bIns="91425" lIns="91425" spcFirstLastPara="1" rIns="91425" wrap="square" tIns="91425">
+            <a:spAutoFit/>
+          </a:bodyPr>
+          <a:lstStyle/>
+          <a:p>
+            <a:pPr indent="-457200" lvl="0" marL="457200" rtl="0" algn="l">
+              <a:spcBef>
+                <a:spcPts val="0"/>
+              </a:spcBef>
+              <a:spcAft>
+                <a:spcPts val="0"/>
+              </a:spcAft>
+              <a:buClr>
+                <a:schemeClr val="dk1"/>
+              </a:buClr>
+              <a:buSzPts val="3600"/>
+              <a:buChar char="●"/>
+            </a:pPr>
+            <a:r>
+              <a:rPr b="1" lang="en" sz="3600">
+                <a:solidFill>
+                  <a:schemeClr val="dk1"/>
+                </a:solidFill>
+              </a:rPr>
+              <a:t>Bikeshare is faster for 97.098%</a:t>
+            </a:r>
+            <a:r>
+              <a:rPr lang="en" sz="3600">
+                <a:solidFill>
+                  <a:schemeClr val="dk1"/>
+                </a:solidFill>
+              </a:rPr>
+              <a:t> of start/end stop combinations</a:t>
+            </a:r>
+            <a:endParaRPr sz="3600">
+              <a:solidFill>
+                <a:schemeClr val="dk1"/>
+              </a:solidFill>
+            </a:endParaRPr>
+          </a:p>
+          <a:p>
+            <a:pPr indent="-457200" lvl="0" marL="457200" rtl="0" algn="l">
+              <a:spcBef>
+                <a:spcPts val="0"/>
+              </a:spcBef>
+              <a:spcAft>
+                <a:spcPts val="0"/>
+              </a:spcAft>
+              <a:buClr>
+                <a:schemeClr val="dk1"/>
+              </a:buClr>
+              <a:buSzPts val="3600"/>
+              <a:buChar char="●"/>
+            </a:pPr>
+            <a:r>
+              <a:rPr lang="en" sz="3600">
+                <a:solidFill>
+                  <a:schemeClr val="dk1"/>
+                </a:solidFill>
+              </a:rPr>
+              <a:t>On average, </a:t>
+            </a:r>
+            <a:r>
+              <a:rPr b="1" lang="en" sz="3600">
+                <a:solidFill>
+                  <a:schemeClr val="dk1"/>
+                </a:solidFill>
+              </a:rPr>
+              <a:t>bikeshare is 12.506 minutes faster</a:t>
+            </a:r>
+            <a:endParaRPr b="1" sz="3600">
+              <a:solidFill>
+                <a:schemeClr val="dk1"/>
+              </a:solidFill>
+            </a:endParaRPr>
+          </a:p>
+          <a:p>
+            <a:pPr indent="-457200" lvl="0" marL="457200" rtl="0" algn="l">
+              <a:spcBef>
+                <a:spcPts val="0"/>
+              </a:spcBef>
+              <a:spcAft>
+                <a:spcPts val="0"/>
+              </a:spcAft>
+              <a:buClr>
+                <a:schemeClr val="dk1"/>
+              </a:buClr>
+              <a:buSzPts val="3600"/>
+              <a:buChar char="●"/>
+            </a:pPr>
+            <a:r>
+              <a:rPr lang="en" sz="3600">
+                <a:solidFill>
+                  <a:schemeClr val="dk1"/>
+                </a:solidFill>
+              </a:rPr>
+              <a:t>Travel time differences</a:t>
+            </a:r>
+            <a:endParaRPr sz="2800">
+              <a:solidFill>
+                <a:schemeClr val="dk1"/>
+              </a:solidFill>
+            </a:endParaRPr>
+          </a:p>
+          <a:p>
+            <a:pPr indent="-406400" lvl="1" marL="914400" rtl="0" algn="l">
+              <a:spcBef>
+                <a:spcPts val="0"/>
+              </a:spcBef>
+              <a:spcAft>
+                <a:spcPts val="0"/>
+              </a:spcAft>
+              <a:buClr>
+                <a:schemeClr val="dk1"/>
+              </a:buClr>
+              <a:buSzPts val="2800"/>
+              <a:buChar char="○"/>
+            </a:pPr>
+            <a:r>
+              <a:rPr lang="en" sz="2800">
+                <a:solidFill>
+                  <a:schemeClr val="dk1"/>
+                </a:solidFill>
+              </a:rPr>
+              <a:t>Min: -66.12</a:t>
+            </a:r>
+            <a:endParaRPr sz="2800">
+              <a:solidFill>
+                <a:schemeClr val="dk1"/>
+              </a:solidFill>
+            </a:endParaRPr>
+          </a:p>
+          <a:p>
+            <a:pPr indent="-406400" lvl="1" marL="914400" rtl="0" algn="l">
+              <a:spcBef>
+                <a:spcPts val="0"/>
+              </a:spcBef>
+              <a:spcAft>
+                <a:spcPts val="0"/>
+              </a:spcAft>
+              <a:buClr>
+                <a:schemeClr val="dk1"/>
+              </a:buClr>
+              <a:buSzPts val="2800"/>
+              <a:buChar char="○"/>
+            </a:pPr>
+            <a:r>
+              <a:rPr lang="en" sz="2800">
+                <a:solidFill>
+                  <a:schemeClr val="dk1"/>
+                </a:solidFill>
+              </a:rPr>
+              <a:t>25th: -16.85</a:t>
+            </a:r>
+            <a:endParaRPr sz="2800">
+              <a:solidFill>
+                <a:schemeClr val="dk1"/>
+              </a:solidFill>
+            </a:endParaRPr>
+          </a:p>
+          <a:p>
+            <a:pPr indent="-406400" lvl="1" marL="914400" rtl="0" algn="l">
+              <a:spcBef>
+                <a:spcPts val="0"/>
+              </a:spcBef>
+              <a:spcAft>
+                <a:spcPts val="0"/>
+              </a:spcAft>
+              <a:buClr>
+                <a:schemeClr val="dk1"/>
+              </a:buClr>
+              <a:buSzPts val="2800"/>
+              <a:buChar char="○"/>
+            </a:pPr>
+            <a:r>
+              <a:rPr lang="en" sz="2800">
+                <a:solidFill>
+                  <a:schemeClr val="dk1"/>
+                </a:solidFill>
+              </a:rPr>
+              <a:t>Median: -12.00</a:t>
+            </a:r>
+            <a:endParaRPr sz="2800">
+              <a:solidFill>
+                <a:schemeClr val="dk1"/>
+              </a:solidFill>
+            </a:endParaRPr>
+          </a:p>
+          <a:p>
+            <a:pPr indent="-406400" lvl="1" marL="914400" rtl="0" algn="l">
+              <a:spcBef>
+                <a:spcPts val="0"/>
+              </a:spcBef>
+              <a:spcAft>
+                <a:spcPts val="0"/>
+              </a:spcAft>
+              <a:buClr>
+                <a:schemeClr val="dk1"/>
+              </a:buClr>
+              <a:buSzPts val="2800"/>
+              <a:buChar char="○"/>
+            </a:pPr>
+            <a:r>
+              <a:rPr lang="en" sz="2800">
+                <a:solidFill>
+                  <a:schemeClr val="dk1"/>
+                </a:solidFill>
+              </a:rPr>
+              <a:t>75th: -7.43</a:t>
+            </a:r>
+            <a:endParaRPr sz="2800">
+              <a:solidFill>
+                <a:schemeClr val="dk1"/>
+              </a:solidFill>
+            </a:endParaRPr>
+          </a:p>
+          <a:p>
+            <a:pPr indent="-406400" lvl="1" marL="914400" rtl="0" algn="l">
+              <a:spcBef>
+                <a:spcPts val="0"/>
+              </a:spcBef>
+              <a:spcAft>
+                <a:spcPts val="0"/>
+              </a:spcAft>
+              <a:buClr>
+                <a:schemeClr val="dk1"/>
+              </a:buClr>
+              <a:buSzPts val="2800"/>
+              <a:buChar char="○"/>
+            </a:pPr>
+            <a:r>
+              <a:rPr lang="en" sz="2800">
+                <a:solidFill>
+                  <a:schemeClr val="dk1"/>
+                </a:solidFill>
+              </a:rPr>
+              <a:t>Max: 40.88</a:t>
+            </a:r>
+            <a:endParaRPr sz="2800">
+              <a:solidFill>
+                <a:schemeClr val="dk1"/>
+              </a:solidFill>
+            </a:endParaRPr>
+          </a:p>
+        </p:txBody>
+      </p:sp>
+      <p:sp>
+        <p:nvSpPr>
+          <p:cNvPr id="78" name="Google Shape;78;p15"/>
+          <p:cNvSpPr txBox="1"/>
+          <p:nvPr/>
+        </p:nvSpPr>
+        <p:spPr>
+          <a:xfrm>
+            <a:off x="21821863" y="24449225"/>
+            <a:ext cx="7726800" cy="461700"/>
           </a:xfrm>
           <a:prstGeom prst="rect">
             <a:avLst/>
@@ -7362,78 +8442,27 @@
               <a:buNone/>
             </a:pPr>
             <a:r>
-              <a:rPr lang="en" sz="3600"/>
-              <a:t>Access to transit affects how people interact with their cities. As urban bike-sharing programs have become more common</a:t>
-            </a:r>
-            <a:r>
-              <a:rPr lang="en" sz="3600"/>
-              <a:t>, researchers have begun to investigate how </a:t>
-            </a:r>
-            <a:r>
-              <a:rPr lang="en" sz="3600">
+              <a:rPr i="1" lang="en" sz="1800">
                 <a:solidFill>
                   <a:schemeClr val="dk1"/>
                 </a:solidFill>
               </a:rPr>
-              <a:t>bike-sharing usage interacts with use of other forms of public transit (i.e. as a substitute or as a complement) (Kong et al 2020). In this project, I continue this by studying the time trade-off in choosing bike-sharing as compared to choosing the “T,” the Boston-area subway system. This will provide insight into whether trip time seems to inform bike-share users’ transit mode decisions, and whether they appear to accurately take into account transit time.</a:t>
+              <a:t>Figure 4. Differences in Travel Times Across Modes (Bikesharing-T).</a:t>
             </a:r>
-            <a:endParaRPr sz="3600">
-              <a:solidFill>
-                <a:schemeClr val="dk1"/>
-              </a:solidFill>
-            </a:endParaRPr>
-          </a:p>
-          <a:p>
-            <a:pPr indent="0" lvl="0" marL="0" rtl="0" algn="l">
-              <a:spcBef>
-                <a:spcPts val="0"/>
-              </a:spcBef>
-              <a:spcAft>
-                <a:spcPts val="0"/>
-              </a:spcAft>
-              <a:buNone/>
-            </a:pPr>
-            <a:r>
-              <a:t/>
-            </a:r>
-            <a:endParaRPr sz="3600"/>
-          </a:p>
-          <a:p>
-            <a:pPr indent="0" lvl="0" marL="0" rtl="0" algn="l">
-              <a:spcBef>
-                <a:spcPts val="0"/>
-              </a:spcBef>
-              <a:spcAft>
-                <a:spcPts val="0"/>
-              </a:spcAft>
-              <a:buNone/>
-            </a:pPr>
-            <a:r>
-              <a:rPr b="1" lang="en" sz="3600"/>
-              <a:t>Research Question:</a:t>
-            </a:r>
-            <a:r>
-              <a:rPr i="1" lang="en" sz="3600"/>
-              <a:t> </a:t>
-            </a:r>
-            <a:r>
-              <a:rPr lang="en" sz="3600"/>
-              <a:t>For Blue Bikes trips taken within Cambridge in summer 2022, would it take longer to get somewhere via T or bike? Further, given a set of characteristics about a bike user, time, and day, how long would bike trips and T trips be predicted to take?</a:t>
-            </a:r>
-            <a:endParaRPr sz="3600"/>
+            <a:endParaRPr i="1" sz="1800"/>
           </a:p>
         </p:txBody>
       </p:sp>
       <p:sp>
         <p:nvSpPr>
-          <p:cNvPr id="76" name="Google Shape;76;p15"/>
+          <p:cNvPr id="79" name="Google Shape;79;p15"/>
           <p:cNvSpPr txBox="1"/>
           <p:nvPr/>
         </p:nvSpPr>
         <p:spPr>
           <a:xfrm>
-            <a:off x="1978950" y="20462100"/>
-            <a:ext cx="11932500" cy="12375600"/>
+            <a:off x="13631849" y="28381000"/>
+            <a:ext cx="6876900" cy="461700"/>
           </a:xfrm>
           <a:prstGeom prst="rect">
             <a:avLst/>
@@ -7459,152 +8488,356 @@
               <a:buNone/>
             </a:pPr>
             <a:r>
-              <a:rPr lang="en" sz="3600"/>
-              <a:t>Primary data sources:</a:t>
+              <a:rPr i="1" lang="en" sz="1800"/>
+              <a:t>Figure 1. Path by Mode of Transit.</a:t>
             </a:r>
-            <a:endParaRPr sz="3600"/>
-          </a:p>
-          <a:p>
-            <a:pPr indent="-457200" lvl="0" marL="457200" rtl="0" algn="l">
-              <a:spcBef>
-                <a:spcPts val="0"/>
-              </a:spcBef>
-              <a:spcAft>
-                <a:spcPts val="0"/>
-              </a:spcAft>
-              <a:buSzPts val="3600"/>
-              <a:buChar char="●"/>
-            </a:pPr>
-            <a:r>
-              <a:rPr lang="en" sz="3600"/>
-              <a:t>All Blue Bike trips (summer 2022)</a:t>
-            </a:r>
-            <a:endParaRPr sz="3600"/>
-          </a:p>
-          <a:p>
-            <a:pPr indent="-457200" lvl="1" marL="914400" rtl="0" algn="l">
-              <a:spcBef>
-                <a:spcPts val="0"/>
-              </a:spcBef>
-              <a:spcAft>
-                <a:spcPts val="0"/>
-              </a:spcAft>
-              <a:buSzPts val="3600"/>
-              <a:buChar char="○"/>
-            </a:pPr>
-            <a:r>
-              <a:rPr lang="en" sz="3600"/>
-              <a:t>Attributes: Start station and end station (ID, name, coordinates), travel time, bike ID, usertype, zip code</a:t>
-            </a:r>
-            <a:endParaRPr sz="3600"/>
-          </a:p>
-          <a:p>
-            <a:pPr indent="-457200" lvl="0" marL="457200" rtl="0" algn="l">
-              <a:spcBef>
-                <a:spcPts val="0"/>
-              </a:spcBef>
-              <a:spcAft>
-                <a:spcPts val="0"/>
-              </a:spcAft>
-              <a:buSzPts val="3600"/>
-              <a:buChar char="●"/>
-            </a:pPr>
-            <a:r>
-              <a:rPr lang="en" sz="3600"/>
-              <a:t>MBTA “T” trips</a:t>
-            </a:r>
-            <a:endParaRPr sz="3600"/>
-          </a:p>
-          <a:p>
-            <a:pPr indent="-457200" lvl="1" marL="914400" rtl="0" algn="l">
-              <a:spcBef>
-                <a:spcPts val="0"/>
-              </a:spcBef>
-              <a:spcAft>
-                <a:spcPts val="0"/>
-              </a:spcAft>
-              <a:buSzPts val="3600"/>
-              <a:buChar char="○"/>
-            </a:pPr>
-            <a:r>
-              <a:rPr lang="en" sz="3600"/>
-              <a:t>Attributes: Start and end station IDs, route, direction, service date, start and end times, travel time, </a:t>
-            </a:r>
-            <a:endParaRPr sz="3600"/>
-          </a:p>
-          <a:p>
-            <a:pPr indent="0" lvl="0" marL="0" rtl="0" algn="l">
-              <a:spcBef>
-                <a:spcPts val="0"/>
-              </a:spcBef>
-              <a:spcAft>
-                <a:spcPts val="0"/>
-              </a:spcAft>
-              <a:buNone/>
-            </a:pPr>
-            <a:r>
-              <a:t/>
-            </a:r>
-            <a:endParaRPr sz="3600"/>
-          </a:p>
-          <a:p>
-            <a:pPr indent="0" lvl="0" marL="0" rtl="0" algn="l">
-              <a:spcBef>
-                <a:spcPts val="0"/>
-              </a:spcBef>
-              <a:spcAft>
-                <a:spcPts val="0"/>
-              </a:spcAft>
-              <a:buNone/>
-            </a:pPr>
-            <a:r>
-              <a:rPr lang="en" sz="3600"/>
-              <a:t>For each Blue Bike trip, I identified the corresponding time it would take to walk or take the T from the start to end Blue Bike stations, and chose the smaller value as the comparison T “ride” time. For the latter, I identified the closest T stations to the start and end Blue Bike stations, used the Google Maps API to find the time it took to walk to walk between the bike stations and T stations, and used the T data to find the train the person would have ridden (given their trip start time and the walk time from the start bike station to first T station). I summed the walk times, T ride time, and wait time elapsed while waiting for the T to find the total T trip time.</a:t>
-            </a:r>
-            <a:endParaRPr sz="3600"/>
-          </a:p>
-          <a:p>
-            <a:pPr indent="0" lvl="0" marL="0" rtl="0" algn="l">
-              <a:spcBef>
-                <a:spcPts val="0"/>
-              </a:spcBef>
-              <a:spcAft>
-                <a:spcPts val="0"/>
-              </a:spcAft>
-              <a:buNone/>
-            </a:pPr>
-            <a:r>
-              <a:t/>
-            </a:r>
-            <a:endParaRPr sz="3600"/>
-          </a:p>
-          <a:p>
-            <a:pPr indent="0" lvl="0" marL="0" rtl="0" algn="l">
-              <a:spcBef>
-                <a:spcPts val="0"/>
-              </a:spcBef>
-              <a:spcAft>
-                <a:spcPts val="0"/>
-              </a:spcAft>
-              <a:buNone/>
-            </a:pPr>
-            <a:r>
-              <a:t/>
-            </a:r>
-            <a:endParaRPr sz="3600"/>
+            <a:endParaRPr i="1" sz="1800"/>
           </a:p>
         </p:txBody>
       </p:sp>
       <p:sp>
         <p:nvSpPr>
-          <p:cNvPr id="77" name="Google Shape;77;p15"/>
+          <p:cNvPr id="80" name="Google Shape;80;p15"/>
           <p:cNvSpPr txBox="1"/>
           <p:nvPr/>
         </p:nvSpPr>
         <p:spPr>
           <a:xfrm>
-            <a:off x="16217574" y="7676625"/>
-            <a:ext cx="11932500" cy="15700200"/>
+            <a:off x="32786825" y="28597888"/>
+            <a:ext cx="9736200" cy="3509400"/>
+          </a:xfrm>
+          <a:prstGeom prst="rect">
+            <a:avLst/>
+          </a:prstGeom>
+          <a:noFill/>
+          <a:ln>
+            <a:noFill/>
+          </a:ln>
+        </p:spPr>
+        <p:txBody>
+          <a:bodyPr anchorCtr="0" anchor="t" bIns="91425" lIns="91425" spcFirstLastPara="1" rIns="91425" wrap="square" tIns="91425">
+            <a:spAutoFit/>
+          </a:bodyPr>
+          <a:lstStyle/>
+          <a:p>
+            <a:pPr indent="-457200" lvl="0" marL="457200" rtl="0" algn="l">
+              <a:spcBef>
+                <a:spcPts val="0"/>
+              </a:spcBef>
+              <a:spcAft>
+                <a:spcPts val="0"/>
+              </a:spcAft>
+              <a:buClr>
+                <a:schemeClr val="dk1"/>
+              </a:buClr>
+              <a:buSzPts val="3600"/>
+              <a:buChar char="●"/>
+            </a:pPr>
+            <a:r>
+              <a:rPr lang="en" sz="3600">
+                <a:solidFill>
+                  <a:schemeClr val="dk1"/>
+                </a:solidFill>
+              </a:rPr>
+              <a:t>Limitation: Did not allow people to get on or off at Davis Square, which is in Somerville</a:t>
+            </a:r>
+            <a:endParaRPr sz="3600">
+              <a:solidFill>
+                <a:schemeClr val="dk1"/>
+              </a:solidFill>
+            </a:endParaRPr>
+          </a:p>
+          <a:p>
+            <a:pPr indent="-457200" lvl="0" marL="457200" rtl="0" algn="l">
+              <a:spcBef>
+                <a:spcPts val="0"/>
+              </a:spcBef>
+              <a:spcAft>
+                <a:spcPts val="0"/>
+              </a:spcAft>
+              <a:buClr>
+                <a:schemeClr val="dk1"/>
+              </a:buClr>
+              <a:buSzPts val="3600"/>
+              <a:buChar char="●"/>
+            </a:pPr>
+            <a:r>
+              <a:rPr lang="en" sz="3600">
+                <a:solidFill>
+                  <a:schemeClr val="dk1"/>
+                </a:solidFill>
+              </a:rPr>
+              <a:t>Limitation: Did not consider spatial relations</a:t>
+            </a:r>
+            <a:endParaRPr sz="3600">
+              <a:solidFill>
+                <a:schemeClr val="dk1"/>
+              </a:solidFill>
+            </a:endParaRPr>
+          </a:p>
+          <a:p>
+            <a:pPr indent="-457200" lvl="0" marL="457200" rtl="0" algn="l">
+              <a:spcBef>
+                <a:spcPts val="0"/>
+              </a:spcBef>
+              <a:spcAft>
+                <a:spcPts val="0"/>
+              </a:spcAft>
+              <a:buClr>
+                <a:schemeClr val="dk1"/>
+              </a:buClr>
+              <a:buSzPts val="3600"/>
+              <a:buChar char="●"/>
+            </a:pPr>
+            <a:r>
+              <a:rPr lang="en" sz="3600">
+                <a:solidFill>
+                  <a:schemeClr val="dk1"/>
+                </a:solidFill>
+              </a:rPr>
+              <a:t>Future work: Add in bus routes</a:t>
+            </a:r>
+            <a:endParaRPr sz="3600">
+              <a:solidFill>
+                <a:schemeClr val="dk1"/>
+              </a:solidFill>
+            </a:endParaRPr>
+          </a:p>
+          <a:p>
+            <a:pPr indent="-457200" lvl="0" marL="457200" rtl="0" algn="l">
+              <a:spcBef>
+                <a:spcPts val="0"/>
+              </a:spcBef>
+              <a:spcAft>
+                <a:spcPts val="0"/>
+              </a:spcAft>
+              <a:buClr>
+                <a:schemeClr val="dk1"/>
+              </a:buClr>
+              <a:buSzPts val="3600"/>
+              <a:buChar char="●"/>
+            </a:pPr>
+            <a:r>
+              <a:rPr lang="en" sz="3600">
+                <a:solidFill>
+                  <a:schemeClr val="dk1"/>
+                </a:solidFill>
+              </a:rPr>
+              <a:t>Future work: Allow T stations outside of Cambridge</a:t>
+            </a:r>
+            <a:endParaRPr sz="3600">
+              <a:solidFill>
+                <a:schemeClr val="dk1"/>
+              </a:solidFill>
+            </a:endParaRPr>
+          </a:p>
+        </p:txBody>
+      </p:sp>
+      <p:sp>
+        <p:nvSpPr>
+          <p:cNvPr id="81" name="Google Shape;81;p15"/>
+          <p:cNvSpPr/>
+          <p:nvPr/>
+        </p:nvSpPr>
+        <p:spPr>
+          <a:xfrm>
+            <a:off x="21544075" y="5573800"/>
+            <a:ext cx="21417000" cy="9906900"/>
+          </a:xfrm>
+          <a:prstGeom prst="roundRect">
+            <a:avLst>
+              <a:gd fmla="val 6336" name="adj"/>
+            </a:avLst>
+          </a:prstGeom>
+          <a:solidFill>
+            <a:srgbClr val="F0F5FF"/>
+          </a:solidFill>
+          <a:ln cap="flat" cmpd="sng" w="9525">
+            <a:solidFill>
+              <a:schemeClr val="dk1"/>
+            </a:solidFill>
+            <a:prstDash val="solid"/>
+            <a:round/>
+            <a:headEnd len="sm" w="sm" type="none"/>
+            <a:tailEnd len="sm" w="sm" type="none"/>
+          </a:ln>
+          <a:effectLst>
+            <a:outerShdw blurRad="57150" rotWithShape="0" algn="bl" dir="5400000" dist="19050">
+              <a:srgbClr val="000000">
+                <a:alpha val="50000"/>
+              </a:srgbClr>
+            </a:outerShdw>
+          </a:effectLst>
+        </p:spPr>
+        <p:txBody>
+          <a:bodyPr anchorCtr="0" anchor="ctr" bIns="41000" lIns="82025" spcFirstLastPara="1" rIns="82025" wrap="square" tIns="41000">
+            <a:noAutofit/>
+          </a:bodyPr>
+          <a:lstStyle/>
+          <a:p>
+            <a:pPr indent="0" lvl="0" marL="0" marR="0" rtl="0" algn="l">
+              <a:spcBef>
+                <a:spcPts val="0"/>
+              </a:spcBef>
+              <a:spcAft>
+                <a:spcPts val="0"/>
+              </a:spcAft>
+              <a:buNone/>
+            </a:pPr>
+            <a:r>
+              <a:t/>
+            </a:r>
+            <a:endParaRPr sz="7500">
+              <a:solidFill>
+                <a:schemeClr val="dk1"/>
+              </a:solidFill>
+              <a:latin typeface="Arial"/>
+              <a:ea typeface="Arial"/>
+              <a:cs typeface="Arial"/>
+              <a:sym typeface="Arial"/>
+            </a:endParaRPr>
+          </a:p>
+        </p:txBody>
+      </p:sp>
+      <p:sp>
+        <p:nvSpPr>
+          <p:cNvPr id="82" name="Google Shape;82;p15"/>
+          <p:cNvSpPr txBox="1"/>
+          <p:nvPr/>
+        </p:nvSpPr>
+        <p:spPr>
+          <a:xfrm>
+            <a:off x="21976450" y="5768175"/>
+            <a:ext cx="20546700" cy="1339200"/>
+          </a:xfrm>
+          <a:prstGeom prst="rect">
+            <a:avLst/>
+          </a:prstGeom>
+          <a:noFill/>
+          <a:ln>
+            <a:noFill/>
+          </a:ln>
+        </p:spPr>
+        <p:txBody>
+          <a:bodyPr anchorCtr="0" anchor="t" bIns="91425" lIns="91425" spcFirstLastPara="1" rIns="91425" wrap="square" tIns="91425">
+            <a:spAutoFit/>
+          </a:bodyPr>
+          <a:lstStyle/>
+          <a:p>
+            <a:pPr indent="0" lvl="0" marL="0" rtl="0" algn="ctr">
+              <a:spcBef>
+                <a:spcPts val="0"/>
+              </a:spcBef>
+              <a:spcAft>
+                <a:spcPts val="0"/>
+              </a:spcAft>
+              <a:buNone/>
+            </a:pPr>
+            <a:r>
+              <a:rPr b="1" lang="en" sz="7500">
+                <a:latin typeface="Roboto"/>
+                <a:ea typeface="Roboto"/>
+                <a:cs typeface="Roboto"/>
+                <a:sym typeface="Roboto"/>
+              </a:rPr>
+              <a:t>Visualizations</a:t>
+            </a:r>
+            <a:endParaRPr b="1" sz="7500">
+              <a:latin typeface="Roboto"/>
+              <a:ea typeface="Roboto"/>
+              <a:cs typeface="Roboto"/>
+              <a:sym typeface="Roboto"/>
+            </a:endParaRPr>
+          </a:p>
+        </p:txBody>
+      </p:sp>
+      <p:pic>
+        <p:nvPicPr>
+          <p:cNvPr id="83" name="Google Shape;83;p15"/>
+          <p:cNvPicPr preferRelativeResize="0"/>
+          <p:nvPr/>
+        </p:nvPicPr>
+        <p:blipFill>
+          <a:blip r:embed="rId5">
+            <a:alphaModFix/>
+          </a:blip>
+          <a:stretch>
+            <a:fillRect/>
+          </a:stretch>
+        </p:blipFill>
+        <p:spPr>
+          <a:xfrm>
+            <a:off x="21809475" y="7101875"/>
+            <a:ext cx="9274453" cy="7508700"/>
+          </a:xfrm>
+          <a:prstGeom prst="rect">
+            <a:avLst/>
+          </a:prstGeom>
+          <a:solidFill>
+            <a:srgbClr val="F0F5FF"/>
+          </a:solidFill>
+          <a:ln cap="flat" cmpd="sng" w="9525">
+            <a:solidFill>
+              <a:schemeClr val="dk1"/>
+            </a:solidFill>
+            <a:prstDash val="solid"/>
+            <a:round/>
+            <a:headEnd len="sm" w="sm" type="none"/>
+            <a:tailEnd len="sm" w="sm" type="none"/>
+          </a:ln>
+          <a:effectLst>
+            <a:outerShdw blurRad="57150" rotWithShape="0" algn="bl" dir="5400000" dist="19050">
+              <a:srgbClr val="000000">
+                <a:alpha val="50000"/>
+              </a:srgbClr>
+            </a:outerShdw>
+          </a:effectLst>
+        </p:spPr>
+      </p:pic>
+      <p:pic>
+        <p:nvPicPr>
+          <p:cNvPr id="84" name="Google Shape;84;p15"/>
+          <p:cNvPicPr preferRelativeResize="0"/>
+          <p:nvPr/>
+        </p:nvPicPr>
+        <p:blipFill>
+          <a:blip r:embed="rId6">
+            <a:alphaModFix/>
+          </a:blip>
+          <a:stretch>
+            <a:fillRect/>
+          </a:stretch>
+        </p:blipFill>
+        <p:spPr>
+          <a:xfrm>
+            <a:off x="31424125" y="7101887"/>
+            <a:ext cx="11263084" cy="7508700"/>
+          </a:xfrm>
+          <a:prstGeom prst="rect">
+            <a:avLst/>
+          </a:prstGeom>
+          <a:noFill/>
+          <a:ln cap="flat" cmpd="sng" w="9525">
+            <a:solidFill>
+              <a:schemeClr val="dk2"/>
+            </a:solidFill>
+            <a:prstDash val="solid"/>
+            <a:round/>
+            <a:headEnd len="sm" w="sm" type="none"/>
+            <a:tailEnd len="sm" w="sm" type="none"/>
+          </a:ln>
+        </p:spPr>
+      </p:pic>
+      <p:sp>
+        <p:nvSpPr>
+          <p:cNvPr id="85" name="Google Shape;85;p15"/>
+          <p:cNvSpPr txBox="1"/>
+          <p:nvPr/>
+        </p:nvSpPr>
+        <p:spPr>
+          <a:xfrm>
+            <a:off x="21809475" y="14588675"/>
+            <a:ext cx="9274500" cy="461700"/>
           </a:xfrm>
           <a:prstGeom prst="rect">
             <a:avLst/>
@@ -7630,472 +8863,31 @@
               <a:buNone/>
             </a:pPr>
             <a:r>
-              <a:rPr lang="en" sz="3600"/>
-              <a:t>[xxx Insert visualization of trip time xxx]</a:t>
-            </a:r>
-            <a:endParaRPr sz="3600"/>
-          </a:p>
-          <a:p>
-            <a:pPr indent="0" lvl="0" marL="0" rtl="0" algn="l">
-              <a:spcBef>
-                <a:spcPts val="0"/>
-              </a:spcBef>
-              <a:spcAft>
-                <a:spcPts val="0"/>
-              </a:spcAft>
-              <a:buNone/>
-            </a:pPr>
-            <a:r>
-              <a:rPr b="1" lang="en" sz="3600"/>
-              <a:t>Figure 1. Trip time by transportation type.</a:t>
+              <a:rPr i="1" lang="en" sz="1800"/>
+              <a:t>Figure 2. </a:t>
             </a:r>
             <a:r>
-              <a:rPr lang="en" sz="3600"/>
-              <a:t> [xxx Insert description of visualization xxx]</a:t>
-            </a:r>
-            <a:endParaRPr sz="3600"/>
-          </a:p>
-          <a:p>
-            <a:pPr indent="0" lvl="0" marL="0" rtl="0" algn="l">
-              <a:spcBef>
-                <a:spcPts val="0"/>
-              </a:spcBef>
-              <a:spcAft>
-                <a:spcPts val="0"/>
-              </a:spcAft>
-              <a:buClr>
-                <a:schemeClr val="dk1"/>
-              </a:buClr>
-              <a:buSzPts val="1100"/>
-              <a:buFont typeface="Arial"/>
-              <a:buNone/>
-            </a:pPr>
-            <a:r>
-              <a:t/>
-            </a:r>
-            <a:endParaRPr sz="3600">
-              <a:solidFill>
-                <a:schemeClr val="dk1"/>
-              </a:solidFill>
-            </a:endParaRPr>
-          </a:p>
-          <a:p>
-            <a:pPr indent="0" lvl="0" marL="0" rtl="0" algn="l">
-              <a:spcBef>
-                <a:spcPts val="0"/>
-              </a:spcBef>
-              <a:spcAft>
-                <a:spcPts val="0"/>
-              </a:spcAft>
-              <a:buClr>
-                <a:schemeClr val="dk1"/>
-              </a:buClr>
-              <a:buSzPts val="1100"/>
-              <a:buFont typeface="Arial"/>
-              <a:buNone/>
-            </a:pPr>
-            <a:r>
-              <a:t/>
-            </a:r>
-            <a:endParaRPr sz="3600">
-              <a:solidFill>
-                <a:schemeClr val="dk1"/>
-              </a:solidFill>
-            </a:endParaRPr>
-          </a:p>
-          <a:p>
-            <a:pPr indent="0" lvl="0" marL="0" rtl="0" algn="l">
-              <a:spcBef>
-                <a:spcPts val="0"/>
-              </a:spcBef>
-              <a:spcAft>
-                <a:spcPts val="0"/>
-              </a:spcAft>
-              <a:buClr>
-                <a:schemeClr val="dk1"/>
-              </a:buClr>
-              <a:buSzPts val="1100"/>
-              <a:buFont typeface="Arial"/>
-              <a:buNone/>
-            </a:pPr>
-            <a:r>
-              <a:t/>
-            </a:r>
-            <a:endParaRPr sz="3600">
-              <a:solidFill>
-                <a:schemeClr val="dk1"/>
-              </a:solidFill>
-            </a:endParaRPr>
-          </a:p>
-          <a:p>
-            <a:pPr indent="0" lvl="0" marL="0" rtl="0" algn="l">
-              <a:spcBef>
-                <a:spcPts val="0"/>
-              </a:spcBef>
-              <a:spcAft>
-                <a:spcPts val="0"/>
-              </a:spcAft>
-              <a:buClr>
-                <a:schemeClr val="dk1"/>
-              </a:buClr>
-              <a:buSzPts val="1100"/>
-              <a:buFont typeface="Arial"/>
-              <a:buNone/>
-            </a:pPr>
-            <a:r>
-              <a:t/>
-            </a:r>
-            <a:endParaRPr sz="3600">
-              <a:solidFill>
-                <a:schemeClr val="dk1"/>
-              </a:solidFill>
-            </a:endParaRPr>
-          </a:p>
-          <a:p>
-            <a:pPr indent="0" lvl="0" marL="0" rtl="0" algn="l">
-              <a:spcBef>
-                <a:spcPts val="0"/>
-              </a:spcBef>
-              <a:spcAft>
-                <a:spcPts val="0"/>
-              </a:spcAft>
-              <a:buClr>
-                <a:schemeClr val="dk1"/>
-              </a:buClr>
-              <a:buSzPts val="1100"/>
-              <a:buFont typeface="Arial"/>
-              <a:buNone/>
-            </a:pPr>
-            <a:r>
-              <a:t/>
-            </a:r>
-            <a:endParaRPr sz="3600">
-              <a:solidFill>
-                <a:schemeClr val="dk1"/>
-              </a:solidFill>
-            </a:endParaRPr>
-          </a:p>
-          <a:p>
-            <a:pPr indent="0" lvl="0" marL="0" rtl="0" algn="l">
-              <a:spcBef>
-                <a:spcPts val="0"/>
-              </a:spcBef>
-              <a:spcAft>
-                <a:spcPts val="0"/>
-              </a:spcAft>
-              <a:buNone/>
-            </a:pPr>
-            <a:r>
-              <a:t/>
-            </a:r>
-            <a:endParaRPr sz="3600"/>
-          </a:p>
-          <a:p>
-            <a:pPr indent="0" lvl="0" marL="0" rtl="0" algn="l">
-              <a:spcBef>
-                <a:spcPts val="0"/>
-              </a:spcBef>
-              <a:spcAft>
-                <a:spcPts val="0"/>
-              </a:spcAft>
-              <a:buClr>
-                <a:schemeClr val="dk1"/>
-              </a:buClr>
-              <a:buSzPts val="1100"/>
-              <a:buFont typeface="Arial"/>
-              <a:buNone/>
-            </a:pPr>
-            <a:r>
-              <a:rPr lang="en" sz="3600">
+              <a:rPr i="1" lang="en" sz="1800">
                 <a:solidFill>
                   <a:schemeClr val="dk1"/>
                 </a:solidFill>
               </a:rPr>
-              <a:t>[xxx Insert map of trips]</a:t>
+              <a:t>Median Travel Times for Unique Start/Stop Bike Stations.</a:t>
             </a:r>
-            <a:endParaRPr sz="3600">
-              <a:solidFill>
-                <a:schemeClr val="dk1"/>
-              </a:solidFill>
-            </a:endParaRPr>
-          </a:p>
-          <a:p>
-            <a:pPr indent="0" lvl="0" marL="0" rtl="0" algn="l">
-              <a:spcBef>
-                <a:spcPts val="0"/>
-              </a:spcBef>
-              <a:spcAft>
-                <a:spcPts val="0"/>
-              </a:spcAft>
-              <a:buClr>
-                <a:schemeClr val="dk1"/>
-              </a:buClr>
-              <a:buSzPts val="1100"/>
-              <a:buFont typeface="Arial"/>
-              <a:buNone/>
-            </a:pPr>
-            <a:r>
-              <a:rPr b="1" lang="en" sz="3600">
-                <a:solidFill>
-                  <a:schemeClr val="dk1"/>
-                </a:solidFill>
-              </a:rPr>
-              <a:t>Figure 2. Some map of trips.</a:t>
-            </a:r>
-            <a:r>
-              <a:rPr lang="en" sz="3600">
-                <a:solidFill>
-                  <a:schemeClr val="dk1"/>
-                </a:solidFill>
-              </a:rPr>
-              <a:t> [Map: either color-coded start bike stations by likelihood that it’s faster to bike OR most common bike routes color-coded by likelihood that it’s faster to bike? xxx Insert description of visualization xxx]</a:t>
-            </a:r>
-            <a:endParaRPr sz="3600">
-              <a:solidFill>
-                <a:schemeClr val="dk1"/>
-              </a:solidFill>
-            </a:endParaRPr>
-          </a:p>
-          <a:p>
-            <a:pPr indent="0" lvl="0" marL="0" rtl="0" algn="l">
-              <a:spcBef>
-                <a:spcPts val="0"/>
-              </a:spcBef>
-              <a:spcAft>
-                <a:spcPts val="0"/>
-              </a:spcAft>
-              <a:buClr>
-                <a:schemeClr val="dk1"/>
-              </a:buClr>
-              <a:buSzPts val="1100"/>
-              <a:buFont typeface="Arial"/>
-              <a:buNone/>
-            </a:pPr>
-            <a:r>
-              <a:t/>
-            </a:r>
-            <a:endParaRPr sz="3600"/>
-          </a:p>
-          <a:p>
-            <a:pPr indent="0" lvl="0" marL="0" rtl="0" algn="l">
-              <a:spcBef>
-                <a:spcPts val="0"/>
-              </a:spcBef>
-              <a:spcAft>
-                <a:spcPts val="0"/>
-              </a:spcAft>
-              <a:buNone/>
-            </a:pPr>
-            <a:r>
-              <a:t/>
-            </a:r>
-            <a:endParaRPr sz="3600"/>
-          </a:p>
-          <a:p>
-            <a:pPr indent="0" lvl="0" marL="0" rtl="0" algn="l">
-              <a:spcBef>
-                <a:spcPts val="0"/>
-              </a:spcBef>
-              <a:spcAft>
-                <a:spcPts val="0"/>
-              </a:spcAft>
-              <a:buNone/>
-            </a:pPr>
-            <a:r>
-              <a:t/>
-            </a:r>
-            <a:endParaRPr sz="3600"/>
-          </a:p>
-          <a:p>
-            <a:pPr indent="0" lvl="0" marL="0" rtl="0" algn="l">
-              <a:spcBef>
-                <a:spcPts val="0"/>
-              </a:spcBef>
-              <a:spcAft>
-                <a:spcPts val="0"/>
-              </a:spcAft>
-              <a:buNone/>
-            </a:pPr>
-            <a:r>
-              <a:t/>
-            </a:r>
-            <a:endParaRPr sz="3600"/>
-          </a:p>
-          <a:p>
-            <a:pPr indent="0" lvl="0" marL="0" rtl="0" algn="l">
-              <a:spcBef>
-                <a:spcPts val="0"/>
-              </a:spcBef>
-              <a:spcAft>
-                <a:spcPts val="0"/>
-              </a:spcAft>
-              <a:buNone/>
-            </a:pPr>
-            <a:r>
-              <a:t/>
-            </a:r>
-            <a:endParaRPr sz="3600"/>
-          </a:p>
-          <a:p>
-            <a:pPr indent="0" lvl="0" marL="0" rtl="0" algn="l">
-              <a:spcBef>
-                <a:spcPts val="0"/>
-              </a:spcBef>
-              <a:spcAft>
-                <a:spcPts val="0"/>
-              </a:spcAft>
-              <a:buNone/>
-            </a:pPr>
-            <a:r>
-              <a:rPr lang="en" sz="3600"/>
-              <a:t>[Insert prediction model]</a:t>
-            </a:r>
-            <a:endParaRPr sz="3600"/>
-          </a:p>
-          <a:p>
-            <a:pPr indent="0" lvl="0" marL="0" rtl="0" algn="l">
-              <a:spcBef>
-                <a:spcPts val="0"/>
-              </a:spcBef>
-              <a:spcAft>
-                <a:spcPts val="0"/>
-              </a:spcAft>
-              <a:buNone/>
-            </a:pPr>
-            <a:r>
-              <a:rPr b="1" lang="en" sz="3600">
-                <a:solidFill>
-                  <a:schemeClr val="dk1"/>
-                </a:solidFill>
-              </a:rPr>
-              <a:t>Figure 3. Predicted trip time by features.</a:t>
-            </a:r>
-            <a:r>
-              <a:rPr lang="en" sz="3600">
-                <a:solidFill>
-                  <a:schemeClr val="dk1"/>
-                </a:solidFill>
-              </a:rPr>
-              <a:t> [xxx Insert description of visualization xxx]</a:t>
-            </a:r>
-            <a:endParaRPr sz="3600">
-              <a:solidFill>
-                <a:schemeClr val="dk1"/>
-              </a:solidFill>
-            </a:endParaRPr>
-          </a:p>
-          <a:p>
-            <a:pPr indent="0" lvl="0" marL="0" rtl="0" algn="l">
-              <a:spcBef>
-                <a:spcPts val="0"/>
-              </a:spcBef>
-              <a:spcAft>
-                <a:spcPts val="0"/>
-              </a:spcAft>
-              <a:buNone/>
-            </a:pPr>
-            <a:r>
-              <a:t/>
-            </a:r>
-            <a:endParaRPr sz="3600">
-              <a:solidFill>
-                <a:schemeClr val="dk1"/>
-              </a:solidFill>
-            </a:endParaRPr>
-          </a:p>
-          <a:p>
-            <a:pPr indent="0" lvl="0" marL="0" rtl="0" algn="l">
-              <a:spcBef>
-                <a:spcPts val="0"/>
-              </a:spcBef>
-              <a:spcAft>
-                <a:spcPts val="0"/>
-              </a:spcAft>
-              <a:buNone/>
-            </a:pPr>
-            <a:r>
-              <a:t/>
-            </a:r>
-            <a:endParaRPr sz="3600">
-              <a:solidFill>
-                <a:schemeClr val="dk1"/>
-              </a:solidFill>
-            </a:endParaRPr>
-          </a:p>
-          <a:p>
-            <a:pPr indent="0" lvl="0" marL="0" rtl="0" algn="l">
-              <a:spcBef>
-                <a:spcPts val="0"/>
-              </a:spcBef>
-              <a:spcAft>
-                <a:spcPts val="0"/>
-              </a:spcAft>
-              <a:buNone/>
-            </a:pPr>
-            <a:r>
-              <a:t/>
-            </a:r>
-            <a:endParaRPr sz="3600">
-              <a:solidFill>
-                <a:schemeClr val="dk1"/>
-              </a:solidFill>
-            </a:endParaRPr>
-          </a:p>
-          <a:p>
-            <a:pPr indent="0" lvl="0" marL="0" rtl="0" algn="l">
-              <a:spcBef>
-                <a:spcPts val="0"/>
-              </a:spcBef>
-              <a:spcAft>
-                <a:spcPts val="0"/>
-              </a:spcAft>
-              <a:buNone/>
-            </a:pPr>
-            <a:r>
-              <a:t/>
-            </a:r>
-            <a:endParaRPr sz="3600">
-              <a:solidFill>
-                <a:schemeClr val="dk1"/>
-              </a:solidFill>
-            </a:endParaRPr>
-          </a:p>
-          <a:p>
-            <a:pPr indent="0" lvl="0" marL="0" rtl="0" algn="l">
-              <a:spcBef>
-                <a:spcPts val="0"/>
-              </a:spcBef>
-              <a:spcAft>
-                <a:spcPts val="0"/>
-              </a:spcAft>
-              <a:buClr>
-                <a:schemeClr val="dk1"/>
-              </a:buClr>
-              <a:buSzPts val="1100"/>
-              <a:buFont typeface="Arial"/>
-              <a:buNone/>
-            </a:pPr>
-            <a:r>
-              <a:t/>
-            </a:r>
-            <a:endParaRPr sz="3600">
-              <a:solidFill>
-                <a:schemeClr val="dk1"/>
-              </a:solidFill>
-            </a:endParaRPr>
+            <a:endParaRPr i="1" sz="1800"/>
           </a:p>
         </p:txBody>
       </p:sp>
       <p:sp>
         <p:nvSpPr>
-          <p:cNvPr id="78" name="Google Shape;78;p15"/>
+          <p:cNvPr id="86" name="Google Shape;86;p15"/>
           <p:cNvSpPr txBox="1"/>
           <p:nvPr/>
         </p:nvSpPr>
         <p:spPr>
           <a:xfrm>
-            <a:off x="30456103" y="7676625"/>
-            <a:ext cx="11932500" cy="738900"/>
+            <a:off x="31424125" y="14588675"/>
+            <a:ext cx="11263200" cy="738900"/>
           </a:xfrm>
           <a:prstGeom prst="rect">
             <a:avLst/>
@@ -8121,65 +8913,148 @@
               <a:buNone/>
             </a:pPr>
             <a:r>
-              <a:rPr lang="en" sz="3600"/>
-              <a:t>[xxx Discussion xxx]</a:t>
+              <a:rPr i="1" lang="en" sz="1800"/>
+              <a:t>Figure 3. </a:t>
             </a:r>
-            <a:endParaRPr sz="3600"/>
+            <a:r>
+              <a:rPr i="1" lang="en" sz="1800">
+                <a:solidFill>
+                  <a:schemeClr val="dk1"/>
+                </a:solidFill>
+              </a:rPr>
+              <a:t>Map of Bikeshare Stations By Mean Difference in Travel Time Across Starting Point Routes. </a:t>
+            </a:r>
+            <a:r>
+              <a:rPr lang="en" sz="1800">
+                <a:solidFill>
+                  <a:schemeClr val="dk1"/>
+                </a:solidFill>
+              </a:rPr>
+              <a:t>Includes T stations themselves.</a:t>
+            </a:r>
+            <a:endParaRPr sz="1800"/>
+          </a:p>
+        </p:txBody>
+      </p:sp>
+      <p:pic>
+        <p:nvPicPr>
+          <p:cNvPr id="87" name="Google Shape;87;p15"/>
+          <p:cNvPicPr preferRelativeResize="0"/>
+          <p:nvPr/>
+        </p:nvPicPr>
+        <p:blipFill>
+          <a:blip r:embed="rId7">
+            <a:alphaModFix/>
+          </a:blip>
+          <a:stretch>
+            <a:fillRect/>
+          </a:stretch>
+        </p:blipFill>
+        <p:spPr>
+          <a:xfrm>
+            <a:off x="21821875" y="18158688"/>
+            <a:ext cx="7974153" cy="6255575"/>
+          </a:xfrm>
+          <a:prstGeom prst="rect">
+            <a:avLst/>
+          </a:prstGeom>
+          <a:solidFill>
+            <a:srgbClr val="F0F5FF"/>
+          </a:solidFill>
+          <a:ln cap="flat" cmpd="sng" w="9525">
+            <a:solidFill>
+              <a:schemeClr val="dk1"/>
+            </a:solidFill>
+            <a:prstDash val="solid"/>
+            <a:round/>
+            <a:headEnd len="sm" w="sm" type="none"/>
+            <a:tailEnd len="sm" w="sm" type="none"/>
+          </a:ln>
+          <a:effectLst>
+            <a:outerShdw blurRad="57150" rotWithShape="0" algn="bl" dir="5400000" dist="19050">
+              <a:srgbClr val="000000">
+                <a:alpha val="50000"/>
+              </a:srgbClr>
+            </a:outerShdw>
+          </a:effectLst>
+        </p:spPr>
+      </p:pic>
+      <p:sp>
+        <p:nvSpPr>
+          <p:cNvPr id="88" name="Google Shape;88;p15"/>
+          <p:cNvSpPr/>
+          <p:nvPr/>
+        </p:nvSpPr>
+        <p:spPr>
+          <a:xfrm>
+            <a:off x="34578850" y="15883050"/>
+            <a:ext cx="8492100" cy="10453200"/>
+          </a:xfrm>
+          <a:prstGeom prst="roundRect">
+            <a:avLst>
+              <a:gd fmla="val 6336" name="adj"/>
+            </a:avLst>
+          </a:prstGeom>
+          <a:solidFill>
+            <a:srgbClr val="F0F5FF"/>
+          </a:solidFill>
+          <a:ln cap="flat" cmpd="sng" w="9525">
+            <a:solidFill>
+              <a:schemeClr val="dk1"/>
+            </a:solidFill>
+            <a:prstDash val="solid"/>
+            <a:round/>
+            <a:headEnd len="sm" w="sm" type="none"/>
+            <a:tailEnd len="sm" w="sm" type="none"/>
+          </a:ln>
+          <a:effectLst>
+            <a:outerShdw blurRad="57150" rotWithShape="0" algn="bl" dir="5400000" dist="19050">
+              <a:srgbClr val="000000">
+                <a:alpha val="50000"/>
+              </a:srgbClr>
+            </a:outerShdw>
+          </a:effectLst>
+        </p:spPr>
+        <p:txBody>
+          <a:bodyPr anchorCtr="0" anchor="ctr" bIns="41000" lIns="82025" spcFirstLastPara="1" rIns="82025" wrap="square" tIns="41000">
+            <a:noAutofit/>
+          </a:bodyPr>
+          <a:lstStyle/>
+          <a:p>
+            <a:pPr indent="0" lvl="0" marL="0" marR="0" rtl="0" algn="l">
+              <a:spcBef>
+                <a:spcPts val="0"/>
+              </a:spcBef>
+              <a:spcAft>
+                <a:spcPts val="0"/>
+              </a:spcAft>
+              <a:buNone/>
+            </a:pPr>
+            <a:r>
+              <a:t/>
+            </a:r>
+            <a:endParaRPr sz="7500">
+              <a:solidFill>
+                <a:schemeClr val="dk1"/>
+              </a:solidFill>
+              <a:latin typeface="Arial"/>
+              <a:ea typeface="Arial"/>
+              <a:cs typeface="Arial"/>
+              <a:sym typeface="Arial"/>
+            </a:endParaRPr>
           </a:p>
         </p:txBody>
       </p:sp>
       <p:sp>
         <p:nvSpPr>
-          <p:cNvPr id="79" name="Google Shape;79;p15"/>
+          <p:cNvPr id="89" name="Google Shape;89;p15"/>
           <p:cNvSpPr txBox="1"/>
           <p:nvPr/>
         </p:nvSpPr>
         <p:spPr>
           <a:xfrm>
-            <a:off x="30456103" y="17952600"/>
-            <a:ext cx="11932500" cy="738900"/>
-          </a:xfrm>
-          <a:prstGeom prst="rect">
-            <a:avLst/>
-          </a:prstGeom>
-          <a:noFill/>
-          <a:ln>
-            <a:noFill/>
-          </a:ln>
-        </p:spPr>
-        <p:txBody>
-          <a:bodyPr anchorCtr="0" anchor="t" bIns="91425" lIns="91425" spcFirstLastPara="1" rIns="91425" wrap="square" tIns="91425">
-            <a:spAutoFit/>
-          </a:bodyPr>
-          <a:lstStyle/>
-          <a:p>
-            <a:pPr indent="0" lvl="0" marL="0" rtl="0" algn="l">
-              <a:spcBef>
-                <a:spcPts val="0"/>
-              </a:spcBef>
-              <a:spcAft>
-                <a:spcPts val="0"/>
-              </a:spcAft>
-              <a:buNone/>
-            </a:pPr>
-            <a:r>
-              <a:rPr lang="en" sz="3600"/>
-              <a:t>[xxx Conclusion xxx]</a:t>
-            </a:r>
-            <a:endParaRPr sz="3600"/>
-          </a:p>
-        </p:txBody>
-      </p:sp>
-      <p:sp>
-        <p:nvSpPr>
-          <p:cNvPr id="80" name="Google Shape;80;p15"/>
-          <p:cNvSpPr txBox="1"/>
-          <p:nvPr/>
-        </p:nvSpPr>
-        <p:spPr>
-          <a:xfrm>
-            <a:off x="32082554" y="27600963"/>
-            <a:ext cx="8679600" cy="1339200"/>
+            <a:off x="35124325" y="16080300"/>
+            <a:ext cx="7398900" cy="1339200"/>
           </a:xfrm>
           <a:prstGeom prst="rect">
             <a:avLst/>
@@ -8211,7 +9086,7 @@
                 <a:cs typeface="Roboto"/>
                 <a:sym typeface="Roboto"/>
               </a:rPr>
-              <a:t>Sources</a:t>
+              <a:t>Model</a:t>
             </a:r>
             <a:endParaRPr b="1" sz="7500">
               <a:latin typeface="Roboto"/>
@@ -8224,14 +9099,14 @@
       </p:sp>
       <p:sp>
         <p:nvSpPr>
-          <p:cNvPr id="81" name="Google Shape;81;p15"/>
+          <p:cNvPr id="90" name="Google Shape;90;p15"/>
           <p:cNvSpPr txBox="1"/>
           <p:nvPr/>
         </p:nvSpPr>
         <p:spPr>
           <a:xfrm>
-            <a:off x="30456103" y="28940163"/>
-            <a:ext cx="11932500" cy="2770500"/>
+            <a:off x="35181900" y="17678525"/>
+            <a:ext cx="7398900" cy="2321100"/>
           </a:xfrm>
           <a:prstGeom prst="rect">
             <a:avLst/>
@@ -8257,38 +9132,202 @@
               <a:spcAft>
                 <a:spcPts val="0"/>
               </a:spcAft>
-              <a:buClr>
-                <a:schemeClr val="dk1"/>
-              </a:buClr>
-              <a:buSzPts val="1100"/>
-              <a:buFont typeface="Arial"/>
               <a:buNone/>
             </a:pPr>
             <a:r>
-              <a:rPr lang="en" sz="3000">
+              <a:rPr i="1" lang="en" sz="3600">
                 <a:solidFill>
                   <a:schemeClr val="dk1"/>
                 </a:solidFill>
               </a:rPr>
-              <a:t>Kong, Hui, Scarlett T. Jin, and Daniel Z. Sui. “Deciphering the Relationship between Bikesharing and Public Transit: Modal Substitution, Integration, and Complementation.” </a:t>
+              <a:t>DiffInTravelTimes</a:t>
             </a:r>
             <a:r>
-              <a:rPr i="1" lang="en" sz="3000">
+              <a:rPr lang="en" sz="3600">
                 <a:solidFill>
                   <a:schemeClr val="dk1"/>
                 </a:solidFill>
               </a:rPr>
-              <a:t>Transportation Research Part D: Transport and Environment</a:t>
+              <a:t> = -8.24 - 0.38*(</a:t>
             </a:r>
             <a:r>
-              <a:rPr lang="en" sz="3000">
+              <a:rPr i="1" lang="en" sz="3600">
                 <a:solidFill>
                   <a:schemeClr val="dk1"/>
                 </a:solidFill>
               </a:rPr>
-              <a:t> 85 (August 1, 2020): 102392. https://doi.org/10.1016/j.trd.2020.102392.</a:t>
+              <a:t>StartWalkTime</a:t>
             </a:r>
-            <a:endParaRPr sz="3000"/>
+            <a:r>
+              <a:rPr lang="en" sz="3600">
+                <a:solidFill>
+                  <a:schemeClr val="dk1"/>
+                </a:solidFill>
+              </a:rPr>
+              <a:t>)</a:t>
+            </a:r>
+            <a:endParaRPr sz="3600">
+              <a:solidFill>
+                <a:schemeClr val="dk1"/>
+              </a:solidFill>
+            </a:endParaRPr>
+          </a:p>
+          <a:p>
+            <a:pPr indent="-406400" lvl="0" marL="457200" rtl="0" algn="l">
+              <a:spcBef>
+                <a:spcPts val="0"/>
+              </a:spcBef>
+              <a:spcAft>
+                <a:spcPts val="0"/>
+              </a:spcAft>
+              <a:buClr>
+                <a:schemeClr val="dk1"/>
+              </a:buClr>
+              <a:buSzPts val="2800"/>
+              <a:buChar char="●"/>
+            </a:pPr>
+            <a:r>
+              <a:rPr lang="en" sz="2800">
+                <a:solidFill>
+                  <a:schemeClr val="dk1"/>
+                </a:solidFill>
+              </a:rPr>
+              <a:t>Coefficient and intercept are significant</a:t>
+            </a:r>
+            <a:endParaRPr sz="2800">
+              <a:solidFill>
+                <a:schemeClr val="dk1"/>
+              </a:solidFill>
+            </a:endParaRPr>
+          </a:p>
+          <a:p>
+            <a:pPr indent="-406400" lvl="0" marL="457200" rtl="0" algn="l">
+              <a:spcBef>
+                <a:spcPts val="0"/>
+              </a:spcBef>
+              <a:spcAft>
+                <a:spcPts val="0"/>
+              </a:spcAft>
+              <a:buClr>
+                <a:schemeClr val="dk1"/>
+              </a:buClr>
+              <a:buSzPts val="2800"/>
+              <a:buChar char="●"/>
+            </a:pPr>
+            <a:r>
+              <a:rPr lang="en" sz="2800">
+                <a:solidFill>
+                  <a:schemeClr val="dk1"/>
+                </a:solidFill>
+              </a:rPr>
+              <a:t>Assumption issues: Independence</a:t>
+            </a:r>
+            <a:endParaRPr sz="2800">
+              <a:solidFill>
+                <a:schemeClr val="dk1"/>
+              </a:solidFill>
+            </a:endParaRPr>
+          </a:p>
+        </p:txBody>
+      </p:sp>
+      <p:pic>
+        <p:nvPicPr>
+          <p:cNvPr id="91" name="Google Shape;91;p15"/>
+          <p:cNvPicPr preferRelativeResize="0"/>
+          <p:nvPr/>
+        </p:nvPicPr>
+        <p:blipFill>
+          <a:blip r:embed="rId8">
+            <a:alphaModFix/>
+          </a:blip>
+          <a:stretch>
+            <a:fillRect/>
+          </a:stretch>
+        </p:blipFill>
+        <p:spPr>
+          <a:xfrm>
+            <a:off x="35181901" y="19999618"/>
+            <a:ext cx="7242600" cy="5428958"/>
+          </a:xfrm>
+          <a:prstGeom prst="rect">
+            <a:avLst/>
+          </a:prstGeom>
+          <a:solidFill>
+            <a:srgbClr val="F0F5FF"/>
+          </a:solidFill>
+          <a:ln cap="flat" cmpd="sng" w="9525">
+            <a:solidFill>
+              <a:schemeClr val="dk1"/>
+            </a:solidFill>
+            <a:prstDash val="solid"/>
+            <a:round/>
+            <a:headEnd len="sm" w="sm" type="none"/>
+            <a:tailEnd len="sm" w="sm" type="none"/>
+          </a:ln>
+          <a:effectLst>
+            <a:outerShdw blurRad="57150" rotWithShape="0" algn="bl" dir="5400000" dist="19050">
+              <a:srgbClr val="000000">
+                <a:alpha val="50000"/>
+              </a:srgbClr>
+            </a:outerShdw>
+          </a:effectLst>
+        </p:spPr>
+      </p:pic>
+      <p:sp>
+        <p:nvSpPr>
+          <p:cNvPr id="92" name="Google Shape;92;p15"/>
+          <p:cNvSpPr txBox="1"/>
+          <p:nvPr/>
+        </p:nvSpPr>
+        <p:spPr>
+          <a:xfrm>
+            <a:off x="35181899" y="25428575"/>
+            <a:ext cx="7242600" cy="738900"/>
+          </a:xfrm>
+          <a:prstGeom prst="rect">
+            <a:avLst/>
+          </a:prstGeom>
+          <a:noFill/>
+          <a:ln>
+            <a:noFill/>
+          </a:ln>
+        </p:spPr>
+        <p:txBody>
+          <a:bodyPr anchorCtr="0" anchor="t" bIns="91425" lIns="91425" spcFirstLastPara="1" rIns="91425" wrap="square" tIns="91425">
+            <a:spAutoFit/>
+          </a:bodyPr>
+          <a:lstStyle/>
+          <a:p>
+            <a:pPr indent="0" lvl="0" marL="0" rtl="0" algn="l">
+              <a:spcBef>
+                <a:spcPts val="0"/>
+              </a:spcBef>
+              <a:spcAft>
+                <a:spcPts val="0"/>
+              </a:spcAft>
+              <a:buNone/>
+            </a:pPr>
+            <a:r>
+              <a:rPr i="1" lang="en" sz="1800">
+                <a:solidFill>
+                  <a:schemeClr val="dk1"/>
+                </a:solidFill>
+              </a:rPr>
+              <a:t>Figure 5. Differences in Travel Times By Walking Time from Start to Closest T.</a:t>
+            </a:r>
+            <a:r>
+              <a:rPr lang="en" sz="1800">
+                <a:solidFill>
+                  <a:schemeClr val="dk1"/>
+                </a:solidFill>
+              </a:rPr>
+              <a:t> Allows linearity assumption.</a:t>
+            </a:r>
+            <a:endParaRPr sz="1800">
+              <a:solidFill>
+                <a:schemeClr val="dk1"/>
+              </a:solidFill>
+            </a:endParaRPr>
           </a:p>
         </p:txBody>
       </p:sp>
@@ -8301,9 +9340,9 @@
 </file>
 
 <file path=ppt/theme/theme1.xml><?xml version="1.0" encoding="utf-8"?>
-<a:theme xmlns:a="http://schemas.openxmlformats.org/drawingml/2006/main" xmlns:r="http://schemas.openxmlformats.org/officeDocument/2006/relationships" name="Simple Light">
+<a:theme xmlns:a="http://schemas.openxmlformats.org/drawingml/2006/main" xmlns:r="http://schemas.openxmlformats.org/officeDocument/2006/relationships">
   <a:themeElements>
-    <a:clrScheme name="Simple Light">
+    <a:clrScheme name="Default">
       <a:dk1>
         <a:srgbClr val="000000"/>
       </a:dk1>
@@ -8311,34 +9350,34 @@
         <a:srgbClr val="FFFFFF"/>
       </a:lt1>
       <a:dk2>
-        <a:srgbClr val="595959"/>
+        <a:srgbClr val="158158"/>
       </a:dk2>
       <a:lt2>
-        <a:srgbClr val="EEEEEE"/>
+        <a:srgbClr val="F3F3F3"/>
       </a:lt2>
       <a:accent1>
-        <a:srgbClr val="4285F4"/>
+        <a:srgbClr val="058DC7"/>
       </a:accent1>
       <a:accent2>
-        <a:srgbClr val="212121"/>
+        <a:srgbClr val="50B432"/>
       </a:accent2>
       <a:accent3>
-        <a:srgbClr val="78909C"/>
+        <a:srgbClr val="ED561B"/>
       </a:accent3>
       <a:accent4>
-        <a:srgbClr val="FFAB40"/>
+        <a:srgbClr val="EDEF00"/>
       </a:accent4>
       <a:accent5>
-        <a:srgbClr val="0097A7"/>
+        <a:srgbClr val="24CBE5"/>
       </a:accent5>
       <a:accent6>
-        <a:srgbClr val="EEFF41"/>
+        <a:srgbClr val="64E572"/>
       </a:accent6>
       <a:hlink>
-        <a:srgbClr val="0097A7"/>
+        <a:srgbClr val="2200CC"/>
       </a:hlink>
       <a:folHlink>
-        <a:srgbClr val="0097A7"/>
+        <a:srgbClr val="551A8B"/>
       </a:folHlink>
     </a:clrScheme>
     <a:fontScheme name="Office">
@@ -8580,9 +9619,9 @@
 </file>
 
 <file path=ppt/theme/theme2.xml><?xml version="1.0" encoding="utf-8"?>
-<a:theme xmlns:a="http://schemas.openxmlformats.org/drawingml/2006/main" xmlns:r="http://schemas.openxmlformats.org/officeDocument/2006/relationships">
+<a:theme xmlns:a="http://schemas.openxmlformats.org/drawingml/2006/main" xmlns:r="http://schemas.openxmlformats.org/officeDocument/2006/relationships" name="Simple Light">
   <a:themeElements>
-    <a:clrScheme name="Default">
+    <a:clrScheme name="Simple Light">
       <a:dk1>
         <a:srgbClr val="000000"/>
       </a:dk1>
@@ -8590,34 +9629,34 @@
         <a:srgbClr val="FFFFFF"/>
       </a:lt1>
       <a:dk2>
-        <a:srgbClr val="158158"/>
+        <a:srgbClr val="595959"/>
       </a:dk2>
       <a:lt2>
-        <a:srgbClr val="F3F3F3"/>
+        <a:srgbClr val="EEEEEE"/>
       </a:lt2>
       <a:accent1>
-        <a:srgbClr val="058DC7"/>
+        <a:srgbClr val="4285F4"/>
       </a:accent1>
       <a:accent2>
-        <a:srgbClr val="50B432"/>
+        <a:srgbClr val="212121"/>
       </a:accent2>
       <a:accent3>
-        <a:srgbClr val="ED561B"/>
+        <a:srgbClr val="78909C"/>
       </a:accent3>
       <a:accent4>
-        <a:srgbClr val="EDEF00"/>
+        <a:srgbClr val="FFAB40"/>
       </a:accent4>
       <a:accent5>
-        <a:srgbClr val="24CBE5"/>
+        <a:srgbClr val="0097A7"/>
       </a:accent5>
       <a:accent6>
-        <a:srgbClr val="64E572"/>
+        <a:srgbClr val="EEFF41"/>
       </a:accent6>
       <a:hlink>
-        <a:srgbClr val="2200CC"/>
+        <a:srgbClr val="0097A7"/>
       </a:hlink>
       <a:folHlink>
-        <a:srgbClr val="551A8B"/>
+        <a:srgbClr val="0097A7"/>
       </a:folHlink>
     </a:clrScheme>
     <a:fontScheme name="Office">

--- a/FinalProjectPoster.pptx
+++ b/FinalProjectPoster.pptx
@@ -6932,7 +6932,7 @@
         <p:spPr>
           <a:xfrm>
             <a:off x="1978925" y="7107375"/>
-            <a:ext cx="18529800" cy="8373300"/>
+            <a:ext cx="18529800" cy="7819200"/>
           </a:xfrm>
           <a:prstGeom prst="rect">
             <a:avLst/>
@@ -7099,7 +7099,19 @@
             </a:pPr>
             <a:r>
               <a:rPr lang="en" sz="3600"/>
-              <a:t>RQ1: For Blue Bikes trips taken within Cambridge in summer 2023, for what percent of start/stop bikeshare station pairs is bikeshare faster (slower) than the T (within Cambridge)? How much faster (slower) is bikeshare?</a:t>
+              <a:t>RQ1: In Cambridge, MA in summer 2023, for what percent of start/stop </a:t>
+            </a:r>
+            <a:r>
+              <a:rPr lang="en" sz="3600">
+                <a:solidFill>
+                  <a:schemeClr val="dk1"/>
+                </a:solidFill>
+              </a:rPr>
+              <a:t>Blue Bikes </a:t>
+            </a:r>
+            <a:r>
+              <a:rPr lang="en" sz="3600"/>
+              <a:t> station pairs was bikeshare faster (slower) than the T (within Cambridge)? How much faster (slower) was bikeshare?</a:t>
             </a:r>
             <a:endParaRPr sz="3600"/>
           </a:p>
@@ -7116,7 +7128,7 @@
             </a:pPr>
             <a:r>
               <a:rPr lang="en" sz="3600"/>
-              <a:t>H1: Bikeshare will be faster</a:t>
+              <a:t>H1: Bikeshare was faster</a:t>
             </a:r>
             <a:endParaRPr sz="3600"/>
           </a:p>
@@ -7133,7 +7145,7 @@
             </a:pPr>
             <a:r>
               <a:rPr lang="en" sz="3600"/>
-              <a:t>RQ2: What is the relationship between initial walking distance from a T station and the difference in travel times across modes?</a:t>
+              <a:t>RQ2: What was the relationship between initial walking time to a T station and the difference in travel times across modes?</a:t>
             </a:r>
             <a:endParaRPr sz="3600"/>
           </a:p>
@@ -7158,7 +7170,7 @@
                   <a:schemeClr val="dk1"/>
                 </a:solidFill>
               </a:rPr>
-              <a:t>As initial walking distance from a T station increases, bikeshare will be relatively faster</a:t>
+              <a:t>As initial walking distance to a T station increases, bikeshare was relatively faster</a:t>
             </a:r>
             <a:endParaRPr sz="3600">
               <a:solidFill>
@@ -7697,7 +7709,7 @@
                   <a:schemeClr val="dk1"/>
                 </a:solidFill>
               </a:rPr>
-              <a:t>For each start/end bikeshare station pair (with &gt; 10 rides), found median trip time for bikeshare vs T/walking</a:t>
+              <a:t>For each start/end bikeshare station pair (with &gt; 10 rides), calculated difference in median trip times for bikeshare vs T/walking</a:t>
             </a:r>
             <a:endParaRPr b="1" sz="3600">
               <a:solidFill>
@@ -9156,7 +9168,15 @@
                   <a:schemeClr val="dk1"/>
                 </a:solidFill>
               </a:rPr>
-              <a:t>StartWalkTime</a:t>
+              <a:t>First</a:t>
+            </a:r>
+            <a:r>
+              <a:rPr i="1" lang="en" sz="3600">
+                <a:solidFill>
+                  <a:schemeClr val="dk1"/>
+                </a:solidFill>
+              </a:rPr>
+              <a:t>WalkTime</a:t>
             </a:r>
             <a:r>
               <a:rPr lang="en" sz="3600">

--- a/FinalProjectPoster.pptx
+++ b/FinalProjectPoster.pptx
@@ -7145,7 +7145,7 @@
             </a:pPr>
             <a:r>
               <a:rPr lang="en" sz="3600"/>
-              <a:t>RQ2: What was the relationship between initial walking time to a T station and the difference in travel times across modes?</a:t>
+              <a:t>RQ2: What was the relationship between initial walking time to a T station and the difference in total travel times across modes?</a:t>
             </a:r>
             <a:endParaRPr sz="3600"/>
           </a:p>
@@ -9360,9 +9360,9 @@
 </file>
 
 <file path=ppt/theme/theme1.xml><?xml version="1.0" encoding="utf-8"?>
-<a:theme xmlns:a="http://schemas.openxmlformats.org/drawingml/2006/main" xmlns:r="http://schemas.openxmlformats.org/officeDocument/2006/relationships">
+<a:theme xmlns:a="http://schemas.openxmlformats.org/drawingml/2006/main" xmlns:r="http://schemas.openxmlformats.org/officeDocument/2006/relationships" name="Default Design">
   <a:themeElements>
-    <a:clrScheme name="Default">
+    <a:clrScheme name="Custom 28">
       <a:dk1>
         <a:srgbClr val="000000"/>
       </a:dk1>
@@ -9370,34 +9370,34 @@
         <a:srgbClr val="FFFFFF"/>
       </a:lt1>
       <a:dk2>
-        <a:srgbClr val="158158"/>
+        <a:srgbClr val="000000"/>
       </a:dk2>
       <a:lt2>
-        <a:srgbClr val="F3F3F3"/>
+        <a:srgbClr val="808080"/>
       </a:lt2>
       <a:accent1>
-        <a:srgbClr val="058DC7"/>
+        <a:srgbClr val="BBE0E3"/>
       </a:accent1>
       <a:accent2>
-        <a:srgbClr val="50B432"/>
+        <a:srgbClr val="333399"/>
       </a:accent2>
       <a:accent3>
-        <a:srgbClr val="ED561B"/>
+        <a:srgbClr val="FFFFFF"/>
       </a:accent3>
       <a:accent4>
-        <a:srgbClr val="EDEF00"/>
+        <a:srgbClr val="000000"/>
       </a:accent4>
       <a:accent5>
-        <a:srgbClr val="24CBE5"/>
+        <a:srgbClr val="DAEDEF"/>
       </a:accent5>
       <a:accent6>
-        <a:srgbClr val="64E572"/>
+        <a:srgbClr val="2D2D8A"/>
       </a:accent6>
       <a:hlink>
-        <a:srgbClr val="2200CC"/>
+        <a:srgbClr val="FFFFFF"/>
       </a:hlink>
       <a:folHlink>
-        <a:srgbClr val="551A8B"/>
+        <a:srgbClr val="99CC00"/>
       </a:folHlink>
     </a:clrScheme>
     <a:fontScheme name="Office">
@@ -9918,9 +9918,9 @@
 </file>
 
 <file path=ppt/theme/theme3.xml><?xml version="1.0" encoding="utf-8"?>
-<a:theme xmlns:a="http://schemas.openxmlformats.org/drawingml/2006/main" xmlns:r="http://schemas.openxmlformats.org/officeDocument/2006/relationships" name="Default Design">
+<a:theme xmlns:a="http://schemas.openxmlformats.org/drawingml/2006/main" xmlns:r="http://schemas.openxmlformats.org/officeDocument/2006/relationships">
   <a:themeElements>
-    <a:clrScheme name="Custom 28">
+    <a:clrScheme name="Default">
       <a:dk1>
         <a:srgbClr val="000000"/>
       </a:dk1>
@@ -9928,34 +9928,34 @@
         <a:srgbClr val="FFFFFF"/>
       </a:lt1>
       <a:dk2>
-        <a:srgbClr val="000000"/>
+        <a:srgbClr val="158158"/>
       </a:dk2>
       <a:lt2>
-        <a:srgbClr val="808080"/>
+        <a:srgbClr val="F3F3F3"/>
       </a:lt2>
       <a:accent1>
-        <a:srgbClr val="BBE0E3"/>
+        <a:srgbClr val="058DC7"/>
       </a:accent1>
       <a:accent2>
-        <a:srgbClr val="333399"/>
+        <a:srgbClr val="50B432"/>
       </a:accent2>
       <a:accent3>
-        <a:srgbClr val="FFFFFF"/>
+        <a:srgbClr val="ED561B"/>
       </a:accent3>
       <a:accent4>
-        <a:srgbClr val="000000"/>
+        <a:srgbClr val="EDEF00"/>
       </a:accent4>
       <a:accent5>
-        <a:srgbClr val="DAEDEF"/>
+        <a:srgbClr val="24CBE5"/>
       </a:accent5>
       <a:accent6>
-        <a:srgbClr val="2D2D8A"/>
+        <a:srgbClr val="64E572"/>
       </a:accent6>
       <a:hlink>
-        <a:srgbClr val="FFFFFF"/>
+        <a:srgbClr val="2200CC"/>
       </a:hlink>
       <a:folHlink>
-        <a:srgbClr val="99CC00"/>
+        <a:srgbClr val="551A8B"/>
       </a:folHlink>
     </a:clrScheme>
     <a:fontScheme name="Office">
